--- a/201907 -- Pelatihan R ganesha - day1.pptx
+++ b/201907 -- Pelatihan R ganesha - day1.pptx
@@ -5,10 +5,10 @@
     <p:sldMasterId id="2147483648" r:id="rId4"/>
   </p:sldMasterIdLst>
   <p:notesMasterIdLst>
-    <p:notesMasterId r:id="rId70"/>
+    <p:notesMasterId r:id="rId67"/>
   </p:notesMasterIdLst>
   <p:handoutMasterIdLst>
-    <p:handoutMasterId r:id="rId71"/>
+    <p:handoutMasterId r:id="rId68"/>
   </p:handoutMasterIdLst>
   <p:sldIdLst>
     <p:sldId id="256" r:id="rId5"/>
@@ -72,10 +72,7 @@
     <p:sldId id="403" r:id="rId63"/>
     <p:sldId id="404" r:id="rId64"/>
     <p:sldId id="437" r:id="rId65"/>
-    <p:sldId id="436" r:id="rId66"/>
-    <p:sldId id="434" r:id="rId67"/>
-    <p:sldId id="435" r:id="rId68"/>
-    <p:sldId id="411" r:id="rId69"/>
+    <p:sldId id="411" r:id="rId66"/>
   </p:sldIdLst>
   <p:sldSz cx="12192000" cy="6858000"/>
   <p:notesSz cx="6858000" cy="9144000"/>
@@ -278,7 +275,7 @@
           <a:p>
             <a:fld id="{23CEAAF3-9831-450B-8D59-2C09DB96C8FC}" type="datetimeFigureOut">
               <a:rPr lang="en-US"/>
-              <a:t>7/10/2019</a:t>
+              <a:t>7/11/2019</a:t>
             </a:fld>
             <a:endParaRPr/>
           </a:p>
@@ -443,7 +440,7 @@
           <a:p>
             <a:fld id="{2D50CD79-FC16-4410-AB61-17F26E6D3BC8}" type="datetimeFigureOut">
               <a:rPr lang="en-US"/>
-              <a:t>7/10/2019</a:t>
+              <a:t>7/11/2019</a:t>
             </a:fld>
             <a:endParaRPr/>
           </a:p>
@@ -1088,7 +1085,7 @@
             <a:fld id="{402B9795-92DC-40DC-A1CA-9A4B349D7824}" type="datetimeFigureOut">
               <a:rPr lang="en-US" smtClean="0"/>
               <a:pPr/>
-              <a:t>7/10/2019</a:t>
+              <a:t>7/11/2019</a:t>
             </a:fld>
             <a:endParaRPr lang="en-US" dirty="0"/>
           </a:p>
@@ -1377,7 +1374,7 @@
           <a:p>
             <a:fld id="{402B9795-92DC-40DC-A1CA-9A4B349D7824}" type="datetimeFigureOut">
               <a:rPr lang="en-US"/>
-              <a:t>7/10/2019</a:t>
+              <a:t>7/11/2019</a:t>
             </a:fld>
             <a:endParaRPr/>
           </a:p>
@@ -1557,7 +1554,7 @@
           <a:p>
             <a:fld id="{402B9795-92DC-40DC-A1CA-9A4B349D7824}" type="datetimeFigureOut">
               <a:rPr lang="en-US"/>
-              <a:t>7/10/2019</a:t>
+              <a:t>7/11/2019</a:t>
             </a:fld>
             <a:endParaRPr/>
           </a:p>
@@ -1747,7 +1744,7 @@
           <a:p>
             <a:fld id="{402B9795-92DC-40DC-A1CA-9A4B349D7824}" type="datetimeFigureOut">
               <a:rPr lang="en-US"/>
-              <a:t>7/10/2019</a:t>
+              <a:t>7/11/2019</a:t>
             </a:fld>
             <a:endParaRPr/>
           </a:p>
@@ -2014,7 +2011,7 @@
           <a:p>
             <a:fld id="{402B9795-92DC-40DC-A1CA-9A4B349D7824}" type="datetimeFigureOut">
               <a:rPr lang="en-US"/>
-              <a:t>7/10/2019</a:t>
+              <a:t>7/11/2019</a:t>
             </a:fld>
             <a:endParaRPr/>
           </a:p>
@@ -3036,7 +3033,7 @@
           <a:p>
             <a:fld id="{402B9795-92DC-40DC-A1CA-9A4B349D7824}" type="datetimeFigureOut">
               <a:rPr lang="en-US"/>
-              <a:t>7/10/2019</a:t>
+              <a:t>7/11/2019</a:t>
             </a:fld>
             <a:endParaRPr/>
           </a:p>
@@ -3306,7 +3303,7 @@
           <a:p>
             <a:fld id="{402B9795-92DC-40DC-A1CA-9A4B349D7824}" type="datetimeFigureOut">
               <a:rPr lang="en-US"/>
-              <a:t>7/10/2019</a:t>
+              <a:t>7/11/2019</a:t>
             </a:fld>
             <a:endParaRPr/>
           </a:p>
@@ -3683,7 +3680,7 @@
           <a:p>
             <a:fld id="{402B9795-92DC-40DC-A1CA-9A4B349D7824}" type="datetimeFigureOut">
               <a:rPr lang="en-US"/>
-              <a:t>7/10/2019</a:t>
+              <a:t>7/11/2019</a:t>
             </a:fld>
             <a:endParaRPr/>
           </a:p>
@@ -3812,7 +3809,7 @@
           <a:p>
             <a:fld id="{402B9795-92DC-40DC-A1CA-9A4B349D7824}" type="datetimeFigureOut">
               <a:rPr lang="en-US"/>
-              <a:t>7/10/2019</a:t>
+              <a:t>7/11/2019</a:t>
             </a:fld>
             <a:endParaRPr/>
           </a:p>
@@ -3919,7 +3916,7 @@
           <a:p>
             <a:fld id="{402B9795-92DC-40DC-A1CA-9A4B349D7824}" type="datetimeFigureOut">
               <a:rPr lang="en-US"/>
-              <a:t>7/10/2019</a:t>
+              <a:t>7/11/2019</a:t>
             </a:fld>
             <a:endParaRPr/>
           </a:p>
@@ -4208,7 +4205,7 @@
           <a:p>
             <a:fld id="{402B9795-92DC-40DC-A1CA-9A4B349D7824}" type="datetimeFigureOut">
               <a:rPr lang="en-US"/>
-              <a:t>7/10/2019</a:t>
+              <a:t>7/11/2019</a:t>
             </a:fld>
             <a:endParaRPr/>
           </a:p>
@@ -4460,7 +4457,7 @@
             <a:fld id="{402B9795-92DC-40DC-A1CA-9A4B349D7824}" type="datetimeFigureOut">
               <a:rPr lang="en-US" smtClean="0"/>
               <a:pPr/>
-              <a:t>7/10/2019</a:t>
+              <a:t>7/11/2019</a:t>
             </a:fld>
             <a:endParaRPr lang="en-US"/>
           </a:p>
@@ -9770,6 +9767,13 @@
       </p:transition>
     </mc:Fallback>
   </mc:AlternateContent>
+  <p:timing>
+    <p:tnLst>
+      <p:par>
+        <p:cTn id="1" dur="indefinite" restart="never" nodeType="tmRoot"/>
+      </p:par>
+    </p:tnLst>
+  </p:timing>
 </p:sld>
 </file>
 
@@ -10275,6 +10279,13 @@
       </p:transition>
     </mc:Fallback>
   </mc:AlternateContent>
+  <p:timing>
+    <p:tnLst>
+      <p:par>
+        <p:cTn id="1" dur="indefinite" restart="never" nodeType="tmRoot"/>
+      </p:par>
+    </p:tnLst>
+  </p:timing>
 </p:sld>
 </file>
 
@@ -10472,6 +10483,13 @@
       </p:transition>
     </mc:Fallback>
   </mc:AlternateContent>
+  <p:timing>
+    <p:tnLst>
+      <p:par>
+        <p:cTn id="1" dur="indefinite" restart="never" nodeType="tmRoot"/>
+      </p:par>
+    </p:tnLst>
+  </p:timing>
 </p:sld>
 </file>
 
@@ -10961,6 +10979,13 @@
       </p:transition>
     </mc:Fallback>
   </mc:AlternateContent>
+  <p:timing>
+    <p:tnLst>
+      <p:par>
+        <p:cTn id="1" dur="indefinite" restart="never" nodeType="tmRoot"/>
+      </p:par>
+    </p:tnLst>
+  </p:timing>
 </p:sld>
 </file>
 
@@ -11694,6 +11719,13 @@
       </p:transition>
     </mc:Fallback>
   </mc:AlternateContent>
+  <p:timing>
+    <p:tnLst>
+      <p:par>
+        <p:cTn id="1" dur="indefinite" restart="never" nodeType="tmRoot"/>
+      </p:par>
+    </p:tnLst>
+  </p:timing>
 </p:sld>
 </file>
 
@@ -12002,6 +12034,13 @@
       </p:transition>
     </mc:Fallback>
   </mc:AlternateContent>
+  <p:timing>
+    <p:tnLst>
+      <p:par>
+        <p:cTn id="1" dur="indefinite" restart="never" nodeType="tmRoot"/>
+      </p:par>
+    </p:tnLst>
+  </p:timing>
 </p:sld>
 </file>
 
@@ -12262,6 +12301,13 @@
       </p:transition>
     </mc:Fallback>
   </mc:AlternateContent>
+  <p:timing>
+    <p:tnLst>
+      <p:par>
+        <p:cTn id="1" dur="indefinite" restart="never" nodeType="tmRoot"/>
+      </p:par>
+    </p:tnLst>
+  </p:timing>
 </p:sld>
 </file>
 
@@ -12523,6 +12569,13 @@
       </p:transition>
     </mc:Fallback>
   </mc:AlternateContent>
+  <p:timing>
+    <p:tnLst>
+      <p:par>
+        <p:cTn id="1" dur="indefinite" restart="never" nodeType="tmRoot"/>
+      </p:par>
+    </p:tnLst>
+  </p:timing>
 </p:sld>
 </file>
 
@@ -12871,6 +12924,13 @@
       </p:transition>
     </mc:Fallback>
   </mc:AlternateContent>
+  <p:timing>
+    <p:tnLst>
+      <p:par>
+        <p:cTn id="1" dur="indefinite" restart="never" nodeType="tmRoot"/>
+      </p:par>
+    </p:tnLst>
+  </p:timing>
 </p:sld>
 </file>
 
@@ -13197,6 +13257,13 @@
       </p:transition>
     </mc:Fallback>
   </mc:AlternateContent>
+  <p:timing>
+    <p:tnLst>
+      <p:par>
+        <p:cTn id="1" dur="indefinite" restart="never" nodeType="tmRoot"/>
+      </p:par>
+    </p:tnLst>
+  </p:timing>
 </p:sld>
 </file>
 
@@ -13437,6 +13504,13 @@
       </p:transition>
     </mc:Fallback>
   </mc:AlternateContent>
+  <p:timing>
+    <p:tnLst>
+      <p:par>
+        <p:cTn id="1" dur="indefinite" restart="never" nodeType="tmRoot"/>
+      </p:par>
+    </p:tnLst>
+  </p:timing>
 </p:sld>
 </file>
 
@@ -16769,6 +16843,13 @@
       </p:transition>
     </mc:Fallback>
   </mc:AlternateContent>
+  <p:timing>
+    <p:tnLst>
+      <p:par>
+        <p:cTn id="1" dur="indefinite" restart="never" nodeType="tmRoot"/>
+      </p:par>
+    </p:tnLst>
+  </p:timing>
 </p:sld>
 </file>
 
@@ -18280,6 +18361,13 @@
       </p:transition>
     </mc:Fallback>
   </mc:AlternateContent>
+  <p:timing>
+    <p:tnLst>
+      <p:par>
+        <p:cTn id="1" dur="indefinite" restart="never" nodeType="tmRoot"/>
+      </p:par>
+    </p:tnLst>
+  </p:timing>
 </p:sld>
 </file>
 
@@ -24014,6 +24102,13 @@
       </p:transition>
     </mc:Fallback>
   </mc:AlternateContent>
+  <p:timing>
+    <p:tnLst>
+      <p:par>
+        <p:cTn id="1" dur="indefinite" restart="never" nodeType="tmRoot"/>
+      </p:par>
+    </p:tnLst>
+  </p:timing>
 </p:sld>
 </file>
 
@@ -25132,467 +25227,6 @@
       </p:transition>
     </mc:Fallback>
   </mc:AlternateContent>
-</p:sld>
-</file>
-
-<file path=ppt/slides/slide62.xml><?xml version="1.0" encoding="utf-8"?>
-<p:sld xmlns:a="http://schemas.openxmlformats.org/drawingml/2006/main" xmlns:r="http://schemas.openxmlformats.org/officeDocument/2006/relationships" xmlns:p="http://schemas.openxmlformats.org/presentationml/2006/main">
-  <p:cSld>
-    <p:spTree>
-      <p:nvGrpSpPr>
-        <p:cNvPr id="1" name=""/>
-        <p:cNvGrpSpPr/>
-        <p:nvPr/>
-      </p:nvGrpSpPr>
-      <p:grpSpPr>
-        <a:xfrm>
-          <a:off x="0" y="0"/>
-          <a:ext cx="0" cy="0"/>
-          <a:chOff x="0" y="0"/>
-          <a:chExt cx="0" cy="0"/>
-        </a:xfrm>
-      </p:grpSpPr>
-      <p:sp>
-        <p:nvSpPr>
-          <p:cNvPr id="2" name="Title 1"/>
-          <p:cNvSpPr>
-            <a:spLocks noGrp="1"/>
-          </p:cNvSpPr>
-          <p:nvPr>
-            <p:ph type="title"/>
-          </p:nvPr>
-        </p:nvSpPr>
-        <p:spPr/>
-        <p:txBody>
-          <a:bodyPr/>
-          <a:lstStyle/>
-          <a:p>
-            <a:endParaRPr lang="en-US"/>
-          </a:p>
-        </p:txBody>
-      </p:sp>
-      <p:sp>
-        <p:nvSpPr>
-          <p:cNvPr id="3" name="Content Placeholder 2"/>
-          <p:cNvSpPr>
-            <a:spLocks noGrp="1"/>
-          </p:cNvSpPr>
-          <p:nvPr>
-            <p:ph idx="1"/>
-          </p:nvPr>
-        </p:nvSpPr>
-        <p:spPr/>
-        <p:txBody>
-          <a:bodyPr/>
-          <a:lstStyle/>
-          <a:p>
-            <a:r>
-              <a:rPr lang="en-US" dirty="0" err="1" smtClean="0"/>
-              <a:t>Belum</a:t>
-            </a:r>
-            <a:r>
-              <a:rPr lang="en-US" dirty="0" smtClean="0"/>
-              <a:t> di </a:t>
-            </a:r>
-            <a:r>
-              <a:rPr lang="en-US" dirty="0" err="1" smtClean="0"/>
-              <a:t>coba</a:t>
-            </a:r>
-            <a:r>
-              <a:rPr lang="en-US" dirty="0" smtClean="0"/>
-              <a:t> </a:t>
-            </a:r>
-            <a:r>
-              <a:rPr lang="en-US" dirty="0" err="1" smtClean="0"/>
-              <a:t>yg</a:t>
-            </a:r>
-            <a:r>
-              <a:rPr lang="en-US" dirty="0" smtClean="0"/>
-              <a:t> </a:t>
-            </a:r>
-            <a:r>
-              <a:rPr lang="en-US" dirty="0" err="1" smtClean="0"/>
-              <a:t>bawah</a:t>
-            </a:r>
-            <a:endParaRPr lang="en-US" dirty="0"/>
-          </a:p>
-        </p:txBody>
-      </p:sp>
-    </p:spTree>
-    <p:extLst>
-      <p:ext uri="{BB962C8B-B14F-4D97-AF65-F5344CB8AC3E}">
-        <p14:creationId xmlns:p14="http://schemas.microsoft.com/office/powerpoint/2010/main" val="2816555841"/>
-      </p:ext>
-    </p:extLst>
-  </p:cSld>
-  <p:clrMapOvr>
-    <a:masterClrMapping/>
-  </p:clrMapOvr>
-  <mc:AlternateContent xmlns:mc="http://schemas.openxmlformats.org/markup-compatibility/2006" xmlns:p14="http://schemas.microsoft.com/office/powerpoint/2010/main">
-    <mc:Choice Requires="p14">
-      <p:transition spd="med" p14:dur="700">
-        <p:fade/>
-      </p:transition>
-    </mc:Choice>
-    <mc:Fallback xmlns="">
-      <p:transition spd="med">
-        <p:fade/>
-      </p:transition>
-    </mc:Fallback>
-  </mc:AlternateContent>
-</p:sld>
-</file>
-
-<file path=ppt/slides/slide63.xml><?xml version="1.0" encoding="utf-8"?>
-<p:sld xmlns:a="http://schemas.openxmlformats.org/drawingml/2006/main" xmlns:r="http://schemas.openxmlformats.org/officeDocument/2006/relationships" xmlns:p="http://schemas.openxmlformats.org/presentationml/2006/main">
-  <p:cSld>
-    <p:spTree>
-      <p:nvGrpSpPr>
-        <p:cNvPr id="1" name=""/>
-        <p:cNvGrpSpPr/>
-        <p:nvPr/>
-      </p:nvGrpSpPr>
-      <p:grpSpPr>
-        <a:xfrm>
-          <a:off x="0" y="0"/>
-          <a:ext cx="0" cy="0"/>
-          <a:chOff x="0" y="0"/>
-          <a:chExt cx="0" cy="0"/>
-        </a:xfrm>
-      </p:grpSpPr>
-      <p:sp>
-        <p:nvSpPr>
-          <p:cNvPr id="2" name="Title 1"/>
-          <p:cNvSpPr>
-            <a:spLocks noGrp="1"/>
-          </p:cNvSpPr>
-          <p:nvPr>
-            <p:ph type="title"/>
-          </p:nvPr>
-        </p:nvSpPr>
-        <p:spPr/>
-        <p:txBody>
-          <a:bodyPr/>
-          <a:lstStyle/>
-          <a:p>
-            <a:r>
-              <a:rPr lang="en-US" dirty="0"/>
-              <a:t>Pie chart</a:t>
-            </a:r>
-          </a:p>
-        </p:txBody>
-      </p:sp>
-      <p:sp>
-        <p:nvSpPr>
-          <p:cNvPr id="3" name="Content Placeholder 2"/>
-          <p:cNvSpPr>
-            <a:spLocks noGrp="1"/>
-          </p:cNvSpPr>
-          <p:nvPr>
-            <p:ph idx="1"/>
-          </p:nvPr>
-        </p:nvSpPr>
-        <p:spPr>
-          <a:xfrm>
-            <a:off x="1104900" y="1453415"/>
-            <a:ext cx="6421548" cy="4810225"/>
-          </a:xfrm>
-        </p:spPr>
-        <p:txBody>
-          <a:bodyPr>
-            <a:normAutofit/>
-          </a:bodyPr>
-          <a:lstStyle/>
-          <a:p>
-            <a:pPr marL="0" indent="0">
-              <a:buNone/>
-            </a:pPr>
-            <a:r>
-              <a:rPr lang="en-US" sz="1400" dirty="0"/>
-              <a:t>#</a:t>
-            </a:r>
-            <a:r>
-              <a:rPr lang="en-US" sz="1400" dirty="0" err="1"/>
-              <a:t>menampilkan</a:t>
-            </a:r>
-            <a:r>
-              <a:rPr lang="en-US" sz="1400" dirty="0"/>
-              <a:t> pie chart dg </a:t>
-            </a:r>
-            <a:r>
-              <a:rPr lang="en-US" sz="1400" dirty="0" err="1"/>
-              <a:t>persent</a:t>
-            </a:r>
-            <a:endParaRPr lang="en-US" sz="1400" dirty="0"/>
-          </a:p>
-          <a:p>
-            <a:pPr marL="0" indent="0">
-              <a:buNone/>
-            </a:pPr>
-            <a:r>
-              <a:rPr lang="en-US" sz="1400" dirty="0"/>
-              <a:t>library(</a:t>
-            </a:r>
-            <a:r>
-              <a:rPr lang="en-US" sz="1400" dirty="0" err="1"/>
-              <a:t>plotly</a:t>
-            </a:r>
-            <a:r>
-              <a:rPr lang="en-US" sz="1400" dirty="0"/>
-              <a:t>)</a:t>
-            </a:r>
-          </a:p>
-          <a:p>
-            <a:pPr marL="0" indent="0">
-              <a:buNone/>
-            </a:pPr>
-            <a:r>
-              <a:rPr lang="en-US" sz="1400" dirty="0" err="1"/>
-              <a:t>pagi</a:t>
-            </a:r>
-            <a:r>
-              <a:rPr lang="en-US" sz="1400" dirty="0"/>
-              <a:t>&lt;-</a:t>
-            </a:r>
-            <a:r>
-              <a:rPr lang="en-US" sz="1400" dirty="0" err="1"/>
-              <a:t>data.A</a:t>
-            </a:r>
-            <a:endParaRPr lang="en-US" sz="1400" dirty="0"/>
-          </a:p>
-          <a:p>
-            <a:pPr marL="0" indent="0">
-              <a:buNone/>
-            </a:pPr>
-            <a:r>
-              <a:rPr lang="en-US" sz="1400" dirty="0"/>
-              <a:t>View(</a:t>
-            </a:r>
-            <a:r>
-              <a:rPr lang="en-US" sz="1400" dirty="0" err="1"/>
-              <a:t>pagi</a:t>
-            </a:r>
-            <a:r>
-              <a:rPr lang="en-US" sz="1400" dirty="0"/>
-              <a:t>)</a:t>
-            </a:r>
-          </a:p>
-          <a:p>
-            <a:pPr marL="0" indent="0">
-              <a:buNone/>
-            </a:pPr>
-            <a:r>
-              <a:rPr lang="en-US" sz="1400" dirty="0" err="1"/>
-              <a:t>cek</a:t>
-            </a:r>
-            <a:r>
-              <a:rPr lang="en-US" sz="1400" dirty="0"/>
-              <a:t>&lt;-</a:t>
-            </a:r>
-            <a:r>
-              <a:rPr lang="en-US" sz="1400" dirty="0" smtClean="0"/>
-              <a:t>table(</a:t>
-            </a:r>
-            <a:r>
-              <a:rPr lang="en-US" sz="1400" dirty="0" err="1" smtClean="0"/>
-              <a:t>pagi$default</a:t>
-            </a:r>
-            <a:r>
-              <a:rPr lang="en-US" sz="1400" dirty="0" smtClean="0"/>
-              <a:t>)</a:t>
-            </a:r>
-            <a:endParaRPr lang="en-US" sz="1400" dirty="0"/>
-          </a:p>
-          <a:p>
-            <a:pPr marL="0" indent="0">
-              <a:buNone/>
-            </a:pPr>
-            <a:r>
-              <a:rPr lang="en-US" sz="1400" dirty="0" err="1"/>
-              <a:t>cek</a:t>
-            </a:r>
-            <a:endParaRPr lang="en-US" sz="1400" dirty="0"/>
-          </a:p>
-          <a:p>
-            <a:pPr marL="0" indent="0">
-              <a:buNone/>
-            </a:pPr>
-            <a:r>
-              <a:rPr lang="en-US" sz="1400" dirty="0"/>
-              <a:t>frame&lt;-</a:t>
-            </a:r>
-            <a:r>
-              <a:rPr lang="en-US" sz="1400" dirty="0" err="1"/>
-              <a:t>data.frame</a:t>
-            </a:r>
-            <a:r>
-              <a:rPr lang="en-US" sz="1400" dirty="0"/>
-              <a:t>(</a:t>
-            </a:r>
-            <a:r>
-              <a:rPr lang="en-US" sz="1400" dirty="0" err="1"/>
-              <a:t>cek</a:t>
-            </a:r>
-            <a:r>
-              <a:rPr lang="en-US" sz="1400" dirty="0"/>
-              <a:t>)</a:t>
-            </a:r>
-          </a:p>
-          <a:p>
-            <a:pPr marL="0" indent="0">
-              <a:buNone/>
-            </a:pPr>
-            <a:r>
-              <a:rPr lang="en-US" sz="1400" dirty="0"/>
-              <a:t>frame</a:t>
-            </a:r>
-          </a:p>
-          <a:p>
-            <a:pPr marL="0" indent="0">
-              <a:buNone/>
-            </a:pPr>
-            <a:r>
-              <a:rPr lang="en-US" sz="1400" dirty="0" err="1"/>
-              <a:t>diagram.pie</a:t>
-            </a:r>
-            <a:r>
-              <a:rPr lang="en-US" sz="1400" dirty="0"/>
-              <a:t>&lt;-</a:t>
-            </a:r>
-            <a:r>
-              <a:rPr lang="en-US" sz="1400" dirty="0" err="1"/>
-              <a:t>plot_ly</a:t>
-            </a:r>
-            <a:r>
-              <a:rPr lang="en-US" sz="1400" dirty="0"/>
-              <a:t>(</a:t>
-            </a:r>
-            <a:r>
-              <a:rPr lang="en-US" sz="1400" dirty="0" err="1"/>
-              <a:t>frame,labels</a:t>
-            </a:r>
-            <a:r>
-              <a:rPr lang="en-US" sz="1400" dirty="0"/>
-              <a:t>=~Var1, 	values=~</a:t>
-            </a:r>
-            <a:r>
-              <a:rPr lang="en-US" sz="1400" dirty="0" err="1"/>
-              <a:t>Freq,type</a:t>
-            </a:r>
-            <a:r>
-              <a:rPr lang="en-US" sz="1400" dirty="0"/>
-              <a:t>="pie")</a:t>
-            </a:r>
-          </a:p>
-          <a:p>
-            <a:pPr marL="0" indent="0">
-              <a:buNone/>
-            </a:pPr>
-            <a:r>
-              <a:rPr lang="en-US" sz="1400" dirty="0" err="1"/>
-              <a:t>diagram.pie</a:t>
-            </a:r>
-            <a:endParaRPr lang="en-US" sz="1400" dirty="0"/>
-          </a:p>
-        </p:txBody>
-      </p:sp>
-      <p:sp>
-        <p:nvSpPr>
-          <p:cNvPr id="4" name="Slide Number Placeholder 3"/>
-          <p:cNvSpPr>
-            <a:spLocks noGrp="1"/>
-          </p:cNvSpPr>
-          <p:nvPr>
-            <p:ph type="sldNum" sz="quarter" idx="12"/>
-          </p:nvPr>
-        </p:nvSpPr>
-        <p:spPr/>
-        <p:txBody>
-          <a:bodyPr/>
-          <a:lstStyle/>
-          <a:p>
-            <a:fld id="{59B29C99-E94B-4ED7-9275-67B321447DB8}" type="slidenum">
-              <a:rPr lang="id-ID" smtClean="0"/>
-              <a:t>63</a:t>
-            </a:fld>
-            <a:endParaRPr lang="id-ID"/>
-          </a:p>
-        </p:txBody>
-      </p:sp>
-      <p:pic>
-        <p:nvPicPr>
-          <p:cNvPr id="11266" name="Picture 2"/>
-          <p:cNvPicPr>
-            <a:picLocks noChangeAspect="1" noChangeArrowheads="1"/>
-          </p:cNvPicPr>
-          <p:nvPr/>
-        </p:nvPicPr>
-        <p:blipFill rotWithShape="1">
-          <a:blip r:embed="rId2">
-            <a:extLst>
-              <a:ext uri="{28A0092B-C50C-407E-A947-70E740481C1C}">
-                <a14:useLocalDpi xmlns:a14="http://schemas.microsoft.com/office/drawing/2010/main" val="0"/>
-              </a:ext>
-            </a:extLst>
-          </a:blip>
-          <a:srcRect l="33317" t="30035" r="32420" b="26737"/>
-          <a:stretch/>
-        </p:blipFill>
-        <p:spPr bwMode="auto">
-          <a:xfrm>
-            <a:off x="5961247" y="2396690"/>
-            <a:ext cx="4177365" cy="2964582"/>
-          </a:xfrm>
-          <a:prstGeom prst="rect">
-            <a:avLst/>
-          </a:prstGeom>
-          <a:noFill/>
-          <a:ln>
-            <a:noFill/>
-          </a:ln>
-          <a:extLst>
-            <a:ext uri="{909E8E84-426E-40DD-AFC4-6F175D3DCCD1}">
-              <a14:hiddenFill xmlns:a14="http://schemas.microsoft.com/office/drawing/2010/main">
-                <a:solidFill>
-                  <a:schemeClr val="accent1"/>
-                </a:solidFill>
-              </a14:hiddenFill>
-            </a:ext>
-            <a:ext uri="{91240B29-F687-4F45-9708-019B960494DF}">
-              <a14:hiddenLine xmlns:a14="http://schemas.microsoft.com/office/drawing/2010/main" w="9525">
-                <a:solidFill>
-                  <a:schemeClr val="tx1"/>
-                </a:solidFill>
-                <a:miter lim="800000"/>
-                <a:headEnd/>
-                <a:tailEnd/>
-              </a14:hiddenLine>
-            </a:ext>
-          </a:extLst>
-        </p:spPr>
-      </p:pic>
-    </p:spTree>
-    <p:extLst>
-      <p:ext uri="{BB962C8B-B14F-4D97-AF65-F5344CB8AC3E}">
-        <p14:creationId xmlns:p14="http://schemas.microsoft.com/office/powerpoint/2010/main" val="449110149"/>
-      </p:ext>
-    </p:extLst>
-  </p:cSld>
-  <p:clrMapOvr>
-    <a:masterClrMapping/>
-  </p:clrMapOvr>
-  <mc:AlternateContent xmlns:mc="http://schemas.openxmlformats.org/markup-compatibility/2006" xmlns:p14="http://schemas.microsoft.com/office/powerpoint/2010/main">
-    <mc:Choice Requires="p14">
-      <p:transition spd="med" p14:dur="700">
-        <p:fade/>
-      </p:transition>
-    </mc:Choice>
-    <mc:Fallback xmlns="">
-      <p:transition spd="med">
-        <p:fade/>
-      </p:transition>
-    </mc:Fallback>
-  </mc:AlternateContent>
   <p:timing>
     <p:tnLst>
       <p:par>
@@ -25603,607 +25237,7 @@
 </p:sld>
 </file>
 
-<file path=ppt/slides/slide64.xml><?xml version="1.0" encoding="utf-8"?>
-<p:sld xmlns:a="http://schemas.openxmlformats.org/drawingml/2006/main" xmlns:r="http://schemas.openxmlformats.org/officeDocument/2006/relationships" xmlns:p="http://schemas.openxmlformats.org/presentationml/2006/main">
-  <p:cSld>
-    <p:spTree>
-      <p:nvGrpSpPr>
-        <p:cNvPr id="1" name=""/>
-        <p:cNvGrpSpPr/>
-        <p:nvPr/>
-      </p:nvGrpSpPr>
-      <p:grpSpPr>
-        <a:xfrm>
-          <a:off x="0" y="0"/>
-          <a:ext cx="0" cy="0"/>
-          <a:chOff x="0" y="0"/>
-          <a:chExt cx="0" cy="0"/>
-        </a:xfrm>
-      </p:grpSpPr>
-      <p:sp>
-        <p:nvSpPr>
-          <p:cNvPr id="2" name="Title 1"/>
-          <p:cNvSpPr>
-            <a:spLocks noGrp="1"/>
-          </p:cNvSpPr>
-          <p:nvPr>
-            <p:ph type="title"/>
-          </p:nvPr>
-        </p:nvSpPr>
-        <p:spPr>
-          <a:xfrm>
-            <a:off x="3731914" y="474662"/>
-            <a:ext cx="6377940" cy="1293028"/>
-          </a:xfrm>
-        </p:spPr>
-        <p:txBody>
-          <a:bodyPr/>
-          <a:lstStyle/>
-          <a:p>
-            <a:r>
-              <a:rPr lang="en-US" dirty="0" smtClean="0"/>
-              <a:t>3 diagram </a:t>
-            </a:r>
-            <a:r>
-              <a:rPr lang="en-US" dirty="0" err="1" smtClean="0"/>
-              <a:t>gabungan</a:t>
-            </a:r>
-            <a:endParaRPr lang="en-US" dirty="0"/>
-          </a:p>
-        </p:txBody>
-      </p:sp>
-      <p:sp>
-        <p:nvSpPr>
-          <p:cNvPr id="3" name="Content Placeholder 2"/>
-          <p:cNvSpPr>
-            <a:spLocks noGrp="1"/>
-          </p:cNvSpPr>
-          <p:nvPr>
-            <p:ph idx="1"/>
-          </p:nvPr>
-        </p:nvSpPr>
-        <p:spPr>
-          <a:xfrm>
-            <a:off x="2136467" y="1886746"/>
-            <a:ext cx="7955280" cy="4069080"/>
-          </a:xfrm>
-        </p:spPr>
-        <p:txBody>
-          <a:bodyPr>
-            <a:normAutofit/>
-          </a:bodyPr>
-          <a:lstStyle/>
-          <a:p>
-            <a:pPr marL="0" indent="0">
-              <a:buNone/>
-            </a:pPr>
-            <a:r>
-              <a:rPr lang="en-US" sz="1400" dirty="0"/>
-              <a:t>#</a:t>
-            </a:r>
-            <a:r>
-              <a:rPr lang="en-US" sz="1400" dirty="0" err="1"/>
-              <a:t>menampilkan</a:t>
-            </a:r>
-            <a:r>
-              <a:rPr lang="en-US" sz="1400" dirty="0"/>
-              <a:t> </a:t>
-            </a:r>
-            <a:r>
-              <a:rPr lang="en-US" sz="1400" dirty="0" err="1"/>
-              <a:t>gabungan</a:t>
-            </a:r>
-            <a:r>
-              <a:rPr lang="en-US" sz="1400" dirty="0"/>
-              <a:t> diagram line</a:t>
-            </a:r>
-          </a:p>
-          <a:p>
-            <a:pPr marL="0" indent="0">
-              <a:buNone/>
-            </a:pPr>
-            <a:r>
-              <a:rPr lang="en-US" sz="1400" dirty="0"/>
-              <a:t>summary(</a:t>
-            </a:r>
-            <a:r>
-              <a:rPr lang="en-US" sz="1400" dirty="0" err="1"/>
-              <a:t>pagi</a:t>
-            </a:r>
-            <a:r>
-              <a:rPr lang="en-US" sz="1400" dirty="0"/>
-              <a:t>)</a:t>
-            </a:r>
-          </a:p>
-          <a:p>
-            <a:pPr marL="0" indent="0">
-              <a:buNone/>
-            </a:pPr>
-            <a:r>
-              <a:rPr lang="en-US" sz="1400" dirty="0" err="1"/>
-              <a:t>umur</a:t>
-            </a:r>
-            <a:r>
-              <a:rPr lang="en-US" sz="1400" dirty="0"/>
-              <a:t>&lt;-</a:t>
-            </a:r>
-            <a:r>
-              <a:rPr lang="en-US" sz="1400" dirty="0" err="1"/>
-              <a:t>pagi$Age</a:t>
-            </a:r>
-            <a:endParaRPr lang="en-US" sz="1400" dirty="0"/>
-          </a:p>
-          <a:p>
-            <a:pPr marL="0" indent="0">
-              <a:buNone/>
-            </a:pPr>
-            <a:r>
-              <a:rPr lang="en-US" sz="1400" dirty="0" err="1"/>
-              <a:t>rataan</a:t>
-            </a:r>
-            <a:r>
-              <a:rPr lang="en-US" sz="1400" dirty="0"/>
-              <a:t>&lt;-</a:t>
-            </a:r>
-            <a:r>
-              <a:rPr lang="en-US" sz="1400" dirty="0" err="1"/>
-              <a:t>pagi</a:t>
-            </a:r>
-            <a:r>
-              <a:rPr lang="en-US" sz="1400" dirty="0"/>
-              <a:t>[,12]</a:t>
-            </a:r>
-          </a:p>
-          <a:p>
-            <a:pPr marL="0" indent="0">
-              <a:buNone/>
-            </a:pPr>
-            <a:r>
-              <a:rPr lang="en-US" sz="1400" dirty="0" err="1"/>
-              <a:t>tinggi</a:t>
-            </a:r>
-            <a:r>
-              <a:rPr lang="en-US" sz="1400" dirty="0"/>
-              <a:t>&lt;-</a:t>
-            </a:r>
-            <a:r>
-              <a:rPr lang="en-US" sz="1400" dirty="0" err="1"/>
-              <a:t>pagi</a:t>
-            </a:r>
-            <a:r>
-              <a:rPr lang="en-US" sz="1400" dirty="0"/>
-              <a:t>[,13]</a:t>
-            </a:r>
-          </a:p>
-          <a:p>
-            <a:pPr marL="0" indent="0">
-              <a:buNone/>
-            </a:pPr>
-            <a:r>
-              <a:rPr lang="en-US" sz="1400" dirty="0" err="1"/>
-              <a:t>sumbu.x</a:t>
-            </a:r>
-            <a:r>
-              <a:rPr lang="en-US" sz="1400" dirty="0"/>
-              <a:t>&lt;-c(1:nrow(</a:t>
-            </a:r>
-            <a:r>
-              <a:rPr lang="en-US" sz="1400" dirty="0" err="1"/>
-              <a:t>pagi</a:t>
-            </a:r>
-            <a:r>
-              <a:rPr lang="en-US" sz="1400" dirty="0"/>
-              <a:t>))</a:t>
-            </a:r>
-          </a:p>
-          <a:p>
-            <a:pPr marL="0" indent="0">
-              <a:buNone/>
-            </a:pPr>
-            <a:r>
-              <a:rPr lang="en-US" sz="1400" dirty="0" err="1"/>
-              <a:t>sumbu.x</a:t>
-            </a:r>
-            <a:endParaRPr lang="en-US" sz="1400" dirty="0"/>
-          </a:p>
-          <a:p>
-            <a:pPr marL="0" indent="0">
-              <a:buNone/>
-            </a:pPr>
-            <a:r>
-              <a:rPr lang="en-US" sz="1400" dirty="0" err="1"/>
-              <a:t>umur</a:t>
-            </a:r>
-            <a:endParaRPr lang="en-US" sz="1400" dirty="0"/>
-          </a:p>
-          <a:p>
-            <a:pPr marL="0" indent="0">
-              <a:buNone/>
-            </a:pPr>
-            <a:r>
-              <a:rPr lang="en-US" sz="1400" dirty="0" err="1"/>
-              <a:t>rataan</a:t>
-            </a:r>
-            <a:endParaRPr lang="en-US" sz="1400" dirty="0"/>
-          </a:p>
-          <a:p>
-            <a:pPr marL="0" indent="0">
-              <a:buNone/>
-            </a:pPr>
-            <a:r>
-              <a:rPr lang="en-US" sz="1400" dirty="0" err="1"/>
-              <a:t>tinggi</a:t>
-            </a:r>
-            <a:endParaRPr lang="en-US" sz="1400" dirty="0"/>
-          </a:p>
-          <a:p>
-            <a:endParaRPr lang="en-US" sz="1400" dirty="0"/>
-          </a:p>
-        </p:txBody>
-      </p:sp>
-      <p:sp>
-        <p:nvSpPr>
-          <p:cNvPr id="4" name="Slide Number Placeholder 3"/>
-          <p:cNvSpPr>
-            <a:spLocks noGrp="1"/>
-          </p:cNvSpPr>
-          <p:nvPr>
-            <p:ph type="sldNum" sz="quarter" idx="12"/>
-          </p:nvPr>
-        </p:nvSpPr>
-        <p:spPr/>
-        <p:txBody>
-          <a:bodyPr/>
-          <a:lstStyle/>
-          <a:p>
-            <a:fld id="{59B29C99-E94B-4ED7-9275-67B321447DB8}" type="slidenum">
-              <a:rPr lang="id-ID" smtClean="0"/>
-              <a:t>64</a:t>
-            </a:fld>
-            <a:endParaRPr lang="id-ID"/>
-          </a:p>
-        </p:txBody>
-      </p:sp>
-      <p:sp>
-        <p:nvSpPr>
-          <p:cNvPr id="5" name="Rectangle 4"/>
-          <p:cNvSpPr/>
-          <p:nvPr/>
-        </p:nvSpPr>
-        <p:spPr>
-          <a:xfrm>
-            <a:off x="5792709" y="2113985"/>
-            <a:ext cx="4572000" cy="2308324"/>
-          </a:xfrm>
-          <a:prstGeom prst="rect">
-            <a:avLst/>
-          </a:prstGeom>
-        </p:spPr>
-        <p:txBody>
-          <a:bodyPr>
-            <a:spAutoFit/>
-          </a:bodyPr>
-          <a:lstStyle/>
-          <a:p>
-            <a:r>
-              <a:rPr lang="en-US" sz="1200" dirty="0" err="1"/>
-              <a:t>siap</a:t>
-            </a:r>
-            <a:r>
-              <a:rPr lang="en-US" sz="1200" dirty="0"/>
-              <a:t>&lt;-</a:t>
-            </a:r>
-            <a:r>
-              <a:rPr lang="en-US" sz="1200" dirty="0" err="1"/>
-              <a:t>data.frame</a:t>
-            </a:r>
-            <a:r>
-              <a:rPr lang="en-US" sz="1200" dirty="0"/>
-              <a:t>(</a:t>
-            </a:r>
-            <a:r>
-              <a:rPr lang="en-US" sz="1200" dirty="0" err="1"/>
-              <a:t>sumbu.x</a:t>
-            </a:r>
-            <a:r>
-              <a:rPr lang="en-US" sz="1200" dirty="0"/>
-              <a:t>,</a:t>
-            </a:r>
-          </a:p>
-          <a:p>
-            <a:r>
-              <a:rPr lang="en-US" sz="1200" dirty="0"/>
-              <a:t>	</a:t>
-            </a:r>
-            <a:r>
-              <a:rPr lang="en-US" sz="1200" dirty="0" err="1"/>
-              <a:t>umur,rataan,tinggi</a:t>
-            </a:r>
-            <a:r>
-              <a:rPr lang="en-US" sz="1200" dirty="0"/>
-              <a:t>)</a:t>
-            </a:r>
-          </a:p>
-          <a:p>
-            <a:r>
-              <a:rPr lang="en-US" sz="1200" dirty="0" err="1"/>
-              <a:t>siap</a:t>
-            </a:r>
-            <a:endParaRPr lang="en-US" sz="1200" dirty="0"/>
-          </a:p>
-          <a:p>
-            <a:endParaRPr lang="en-US" sz="1200" dirty="0"/>
-          </a:p>
-          <a:p>
-            <a:r>
-              <a:rPr lang="en-US" sz="1200" dirty="0" err="1"/>
-              <a:t>diagram.line</a:t>
-            </a:r>
-            <a:r>
-              <a:rPr lang="en-US" sz="1200" dirty="0"/>
-              <a:t>&lt;-</a:t>
-            </a:r>
-            <a:r>
-              <a:rPr lang="en-US" sz="1200" dirty="0" err="1"/>
-              <a:t>plot_ly</a:t>
-            </a:r>
-            <a:r>
-              <a:rPr lang="en-US" sz="1200" dirty="0"/>
-              <a:t>(</a:t>
-            </a:r>
-            <a:r>
-              <a:rPr lang="en-US" sz="1200" dirty="0" err="1"/>
-              <a:t>siap,x</a:t>
-            </a:r>
-            <a:r>
-              <a:rPr lang="en-US" sz="1200" dirty="0"/>
-              <a:t>=~</a:t>
-            </a:r>
-            <a:r>
-              <a:rPr lang="en-US" sz="1200" dirty="0" err="1"/>
-              <a:t>sumbu.x</a:t>
-            </a:r>
-            <a:r>
-              <a:rPr lang="en-US" sz="1200" dirty="0"/>
-              <a:t>)%&gt;%</a:t>
-            </a:r>
-          </a:p>
-          <a:p>
-            <a:r>
-              <a:rPr lang="en-US" sz="1200" dirty="0"/>
-              <a:t>  </a:t>
-            </a:r>
-            <a:r>
-              <a:rPr lang="en-US" sz="1200" dirty="0" err="1"/>
-              <a:t>add_trace</a:t>
-            </a:r>
-            <a:r>
-              <a:rPr lang="en-US" sz="1200" dirty="0"/>
-              <a:t>(y=~</a:t>
-            </a:r>
-            <a:r>
-              <a:rPr lang="en-US" sz="1200" dirty="0" err="1"/>
-              <a:t>umur</a:t>
-            </a:r>
-            <a:r>
-              <a:rPr lang="en-US" sz="1200" dirty="0"/>
-              <a:t>,</a:t>
-            </a:r>
-          </a:p>
-          <a:p>
-            <a:r>
-              <a:rPr lang="en-US" sz="1200" dirty="0"/>
-              <a:t>  name="</a:t>
-            </a:r>
-            <a:r>
-              <a:rPr lang="en-US" sz="1200" dirty="0" err="1"/>
-              <a:t>umur</a:t>
-            </a:r>
-            <a:r>
-              <a:rPr lang="en-US" sz="1200" dirty="0"/>
-              <a:t> </a:t>
-            </a:r>
-            <a:r>
-              <a:rPr lang="en-US" sz="1200" dirty="0" err="1"/>
-              <a:t>mahasiswa</a:t>
-            </a:r>
-            <a:r>
-              <a:rPr lang="en-US" sz="1200" dirty="0"/>
-              <a:t>",mode="markers")%&gt;%</a:t>
-            </a:r>
-          </a:p>
-          <a:p>
-            <a:r>
-              <a:rPr lang="en-US" sz="1200" dirty="0"/>
-              <a:t>  </a:t>
-            </a:r>
-            <a:r>
-              <a:rPr lang="en-US" sz="1200" dirty="0" err="1"/>
-              <a:t>add_trace</a:t>
-            </a:r>
-            <a:r>
-              <a:rPr lang="en-US" sz="1200" dirty="0"/>
-              <a:t>(y=~</a:t>
-            </a:r>
-            <a:r>
-              <a:rPr lang="en-US" sz="1200" dirty="0" err="1"/>
-              <a:t>rataan</a:t>
-            </a:r>
-            <a:r>
-              <a:rPr lang="en-US" sz="1200" dirty="0"/>
-              <a:t>,</a:t>
-            </a:r>
-          </a:p>
-          <a:p>
-            <a:r>
-              <a:rPr lang="en-US" sz="1200" dirty="0"/>
-              <a:t>  name="</a:t>
-            </a:r>
-            <a:r>
-              <a:rPr lang="en-US" sz="1200" dirty="0" err="1"/>
-              <a:t>rataan</a:t>
-            </a:r>
-            <a:r>
-              <a:rPr lang="en-US" sz="1200" dirty="0"/>
-              <a:t> </a:t>
-            </a:r>
-            <a:r>
-              <a:rPr lang="en-US" sz="1200" dirty="0" err="1"/>
-              <a:t>nilai</a:t>
-            </a:r>
-            <a:r>
-              <a:rPr lang="en-US" sz="1200" dirty="0"/>
-              <a:t>",mode="lines")%&gt;%</a:t>
-            </a:r>
-          </a:p>
-          <a:p>
-            <a:r>
-              <a:rPr lang="en-US" sz="1200" dirty="0"/>
-              <a:t>  </a:t>
-            </a:r>
-            <a:r>
-              <a:rPr lang="en-US" sz="1200" dirty="0" err="1"/>
-              <a:t>add_trace</a:t>
-            </a:r>
-            <a:r>
-              <a:rPr lang="en-US" sz="1200" dirty="0"/>
-              <a:t>(y=~</a:t>
-            </a:r>
-            <a:r>
-              <a:rPr lang="en-US" sz="1200" dirty="0" err="1"/>
-              <a:t>tinggi</a:t>
-            </a:r>
-            <a:r>
-              <a:rPr lang="en-US" sz="1200" dirty="0"/>
-              <a:t>,</a:t>
-            </a:r>
-          </a:p>
-          <a:p>
-            <a:r>
-              <a:rPr lang="en-US" sz="1200" dirty="0"/>
-              <a:t>  name="</a:t>
-            </a:r>
-            <a:r>
-              <a:rPr lang="en-US" sz="1200" dirty="0" err="1"/>
-              <a:t>tinggi</a:t>
-            </a:r>
-            <a:r>
-              <a:rPr lang="en-US" sz="1200" dirty="0"/>
-              <a:t> </a:t>
-            </a:r>
-            <a:r>
-              <a:rPr lang="en-US" sz="1200" dirty="0" err="1"/>
-              <a:t>badan</a:t>
-            </a:r>
-            <a:r>
-              <a:rPr lang="en-US" sz="1200" dirty="0"/>
-              <a:t>",mode="</a:t>
-            </a:r>
-            <a:r>
-              <a:rPr lang="en-US" sz="1200" dirty="0" err="1"/>
-              <a:t>lines+markers</a:t>
-            </a:r>
-            <a:r>
-              <a:rPr lang="en-US" sz="1200" dirty="0"/>
-              <a:t>")</a:t>
-            </a:r>
-          </a:p>
-          <a:p>
-            <a:r>
-              <a:rPr lang="en-US" sz="1200" dirty="0" err="1"/>
-              <a:t>diagram.line</a:t>
-            </a:r>
-            <a:endParaRPr lang="en-US" sz="1200" dirty="0"/>
-          </a:p>
-        </p:txBody>
-      </p:sp>
-      <p:pic>
-        <p:nvPicPr>
-          <p:cNvPr id="12290" name="Picture 2"/>
-          <p:cNvPicPr>
-            <a:picLocks noChangeAspect="1" noChangeArrowheads="1"/>
-          </p:cNvPicPr>
-          <p:nvPr/>
-        </p:nvPicPr>
-        <p:blipFill>
-          <a:blip r:embed="rId2" cstate="print">
-            <a:extLst>
-              <a:ext uri="{28A0092B-C50C-407E-A947-70E740481C1C}">
-                <a14:useLocalDpi xmlns:a14="http://schemas.microsoft.com/office/drawing/2010/main" val="0"/>
-              </a:ext>
-            </a:extLst>
-          </a:blip>
-          <a:srcRect/>
-          <a:stretch>
-            <a:fillRect/>
-          </a:stretch>
-        </p:blipFill>
-        <p:spPr bwMode="auto">
-          <a:xfrm>
-            <a:off x="4296076" y="4648004"/>
-            <a:ext cx="4721032" cy="2064352"/>
-          </a:xfrm>
-          <a:prstGeom prst="rect">
-            <a:avLst/>
-          </a:prstGeom>
-          <a:noFill/>
-          <a:ln>
-            <a:noFill/>
-          </a:ln>
-          <a:extLst>
-            <a:ext uri="{909E8E84-426E-40DD-AFC4-6F175D3DCCD1}">
-              <a14:hiddenFill xmlns:a14="http://schemas.microsoft.com/office/drawing/2010/main">
-                <a:solidFill>
-                  <a:schemeClr val="accent1"/>
-                </a:solidFill>
-              </a14:hiddenFill>
-            </a:ext>
-            <a:ext uri="{91240B29-F687-4F45-9708-019B960494DF}">
-              <a14:hiddenLine xmlns:a14="http://schemas.microsoft.com/office/drawing/2010/main" w="9525">
-                <a:solidFill>
-                  <a:schemeClr val="tx1"/>
-                </a:solidFill>
-                <a:miter lim="800000"/>
-                <a:headEnd/>
-                <a:tailEnd/>
-              </a14:hiddenLine>
-            </a:ext>
-          </a:extLst>
-        </p:spPr>
-      </p:pic>
-    </p:spTree>
-    <p:extLst>
-      <p:ext uri="{BB962C8B-B14F-4D97-AF65-F5344CB8AC3E}">
-        <p14:creationId xmlns:p14="http://schemas.microsoft.com/office/powerpoint/2010/main" val="2951407026"/>
-      </p:ext>
-    </p:extLst>
-  </p:cSld>
-  <p:clrMapOvr>
-    <a:masterClrMapping/>
-  </p:clrMapOvr>
-  <mc:AlternateContent xmlns:mc="http://schemas.openxmlformats.org/markup-compatibility/2006" xmlns:p14="http://schemas.microsoft.com/office/powerpoint/2010/main">
-    <mc:Choice Requires="p14">
-      <p:transition spd="med" p14:dur="700">
-        <p:fade/>
-      </p:transition>
-    </mc:Choice>
-    <mc:Fallback xmlns="">
-      <p:transition spd="med">
-        <p:fade/>
-      </p:transition>
-    </mc:Fallback>
-  </mc:AlternateContent>
-  <p:timing>
-    <p:tnLst>
-      <p:par>
-        <p:cTn id="1" dur="indefinite" restart="never" nodeType="tmRoot"/>
-      </p:par>
-    </p:tnLst>
-  </p:timing>
-</p:sld>
-</file>
-
-<file path=ppt/slides/slide65.xml><?xml version="1.0" encoding="utf-8"?>
+<file path=ppt/slides/slide62.xml><?xml version="1.0" encoding="utf-8"?>
 <p:sld xmlns:a="http://schemas.openxmlformats.org/drawingml/2006/main" xmlns:r="http://schemas.openxmlformats.org/officeDocument/2006/relationships" xmlns:p="http://schemas.openxmlformats.org/presentationml/2006/main">
   <p:cSld>
     <p:spTree>
@@ -28273,141 +27307,6 @@
 </file>
 
 <file path=customXml/item1.xml><?xml version="1.0" encoding="utf-8"?>
-<?mso-contentType ?>
-<FormTemplates xmlns="http://schemas.microsoft.com/sharepoint/v3/contenttype/forms">
-  <Display>DocumentLibraryForm</Display>
-  <Edit>AssetEditForm</Edit>
-  <New>DocumentLibraryForm</New>
-</FormTemplates>
-</file>
-
-<file path=customXml/item2.xml><?xml version="1.0" encoding="utf-8"?>
-<p:properties xmlns:p="http://schemas.microsoft.com/office/2006/metadata/properties" xmlns:xsi="http://www.w3.org/2001/XMLSchema-instance" xmlns:pc="http://schemas.microsoft.com/office/infopath/2007/PartnerControls">
-  <documentManagement>
-    <APDescription xmlns="4873beb7-5857-4685-be1f-d57550cc96cc" xsi:nil="true"/>
-    <AssetExpire xmlns="4873beb7-5857-4685-be1f-d57550cc96cc">2029-01-01T08:00:00+00:00</AssetExpire>
-    <CampaignTagsTaxHTField0 xmlns="4873beb7-5857-4685-be1f-d57550cc96cc">
-      <Terms xmlns="http://schemas.microsoft.com/office/infopath/2007/PartnerControls"/>
-    </CampaignTagsTaxHTField0>
-    <IntlLangReviewDate xmlns="4873beb7-5857-4685-be1f-d57550cc96cc" xsi:nil="true"/>
-    <TPFriendlyName xmlns="4873beb7-5857-4685-be1f-d57550cc96cc" xsi:nil="true"/>
-    <IntlLangReview xmlns="4873beb7-5857-4685-be1f-d57550cc96cc">false</IntlLangReview>
-    <LocLastLocAttemptVersionLookup xmlns="4873beb7-5857-4685-be1f-d57550cc96cc">855024</LocLastLocAttemptVersionLookup>
-    <PolicheckWords xmlns="4873beb7-5857-4685-be1f-d57550cc96cc" xsi:nil="true"/>
-    <SubmitterId xmlns="4873beb7-5857-4685-be1f-d57550cc96cc" xsi:nil="true"/>
-    <AcquiredFrom xmlns="4873beb7-5857-4685-be1f-d57550cc96cc">Internal MS</AcquiredFrom>
-    <EditorialStatus xmlns="4873beb7-5857-4685-be1f-d57550cc96cc">Complete</EditorialStatus>
-    <Markets xmlns="4873beb7-5857-4685-be1f-d57550cc96cc"/>
-    <OriginAsset xmlns="4873beb7-5857-4685-be1f-d57550cc96cc" xsi:nil="true"/>
-    <AssetStart xmlns="4873beb7-5857-4685-be1f-d57550cc96cc">2012-08-31T08:50:00+00:00</AssetStart>
-    <FriendlyTitle xmlns="4873beb7-5857-4685-be1f-d57550cc96cc" xsi:nil="true"/>
-    <MarketSpecific xmlns="4873beb7-5857-4685-be1f-d57550cc96cc">false</MarketSpecific>
-    <TPNamespace xmlns="4873beb7-5857-4685-be1f-d57550cc96cc" xsi:nil="true"/>
-    <PublishStatusLookup xmlns="4873beb7-5857-4685-be1f-d57550cc96cc">
-      <Value>1616423</Value>
-    </PublishStatusLookup>
-    <APAuthor xmlns="4873beb7-5857-4685-be1f-d57550cc96cc">
-      <UserInfo>
-        <DisplayName>REDMOND\kristaa</DisplayName>
-        <AccountId>136</AccountId>
-        <AccountType/>
-      </UserInfo>
-    </APAuthor>
-    <TPCommandLine xmlns="4873beb7-5857-4685-be1f-d57550cc96cc" xsi:nil="true"/>
-    <IntlLangReviewer xmlns="4873beb7-5857-4685-be1f-d57550cc96cc" xsi:nil="true"/>
-    <OpenTemplate xmlns="4873beb7-5857-4685-be1f-d57550cc96cc">true</OpenTemplate>
-    <CSXSubmissionDate xmlns="4873beb7-5857-4685-be1f-d57550cc96cc" xsi:nil="true"/>
-    <TaxCatchAll xmlns="4873beb7-5857-4685-be1f-d57550cc96cc"/>
-    <Manager xmlns="4873beb7-5857-4685-be1f-d57550cc96cc" xsi:nil="true"/>
-    <NumericId xmlns="4873beb7-5857-4685-be1f-d57550cc96cc" xsi:nil="true"/>
-    <ParentAssetId xmlns="4873beb7-5857-4685-be1f-d57550cc96cc" xsi:nil="true"/>
-    <OriginalSourceMarket xmlns="4873beb7-5857-4685-be1f-d57550cc96cc" xsi:nil="true"/>
-    <ApprovalStatus xmlns="4873beb7-5857-4685-be1f-d57550cc96cc">InProgress</ApprovalStatus>
-    <TPComponent xmlns="4873beb7-5857-4685-be1f-d57550cc96cc" xsi:nil="true"/>
-    <EditorialTags xmlns="4873beb7-5857-4685-be1f-d57550cc96cc" xsi:nil="true"/>
-    <TPExecutable xmlns="4873beb7-5857-4685-be1f-d57550cc96cc" xsi:nil="true"/>
-    <TPLaunchHelpLink xmlns="4873beb7-5857-4685-be1f-d57550cc96cc" xsi:nil="true"/>
-    <LocComments xmlns="4873beb7-5857-4685-be1f-d57550cc96cc" xsi:nil="true"/>
-    <LocRecommendedHandoff xmlns="4873beb7-5857-4685-be1f-d57550cc96cc" xsi:nil="true"/>
-    <SourceTitle xmlns="4873beb7-5857-4685-be1f-d57550cc96cc" xsi:nil="true"/>
-    <CSXUpdate xmlns="4873beb7-5857-4685-be1f-d57550cc96cc">false</CSXUpdate>
-    <IntlLocPriority xmlns="4873beb7-5857-4685-be1f-d57550cc96cc" xsi:nil="true"/>
-    <UAProjectedTotalWords xmlns="4873beb7-5857-4685-be1f-d57550cc96cc" xsi:nil="true"/>
-    <AssetType xmlns="4873beb7-5857-4685-be1f-d57550cc96cc">TP</AssetType>
-    <MachineTranslated xmlns="4873beb7-5857-4685-be1f-d57550cc96cc">false</MachineTranslated>
-    <OutputCachingOn xmlns="4873beb7-5857-4685-be1f-d57550cc96cc">false</OutputCachingOn>
-    <TemplateStatus xmlns="4873beb7-5857-4685-be1f-d57550cc96cc">Complete</TemplateStatus>
-    <IsSearchable xmlns="4873beb7-5857-4685-be1f-d57550cc96cc">true</IsSearchable>
-    <ContentItem xmlns="4873beb7-5857-4685-be1f-d57550cc96cc" xsi:nil="true"/>
-    <HandoffToMSDN xmlns="4873beb7-5857-4685-be1f-d57550cc96cc" xsi:nil="true"/>
-    <ShowIn xmlns="4873beb7-5857-4685-be1f-d57550cc96cc">Show everywhere</ShowIn>
-    <ThumbnailAssetId xmlns="4873beb7-5857-4685-be1f-d57550cc96cc" xsi:nil="true"/>
-    <UALocComments xmlns="4873beb7-5857-4685-be1f-d57550cc96cc" xsi:nil="true"/>
-    <UALocRecommendation xmlns="4873beb7-5857-4685-be1f-d57550cc96cc">Localize</UALocRecommendation>
-    <LastModifiedDateTime xmlns="4873beb7-5857-4685-be1f-d57550cc96cc" xsi:nil="true"/>
-    <LegacyData xmlns="4873beb7-5857-4685-be1f-d57550cc96cc" xsi:nil="true"/>
-    <LocManualTestRequired xmlns="4873beb7-5857-4685-be1f-d57550cc96cc">false</LocManualTestRequired>
-    <LocMarketGroupTiers2 xmlns="4873beb7-5857-4685-be1f-d57550cc96cc" xsi:nil="true"/>
-    <ClipArtFilename xmlns="4873beb7-5857-4685-be1f-d57550cc96cc" xsi:nil="true"/>
-    <TPApplication xmlns="4873beb7-5857-4685-be1f-d57550cc96cc" xsi:nil="true"/>
-    <CSXHash xmlns="4873beb7-5857-4685-be1f-d57550cc96cc" xsi:nil="true"/>
-    <DirectSourceMarket xmlns="4873beb7-5857-4685-be1f-d57550cc96cc" xsi:nil="true"/>
-    <PrimaryImageGen xmlns="4873beb7-5857-4685-be1f-d57550cc96cc">true</PrimaryImageGen>
-    <PlannedPubDate xmlns="4873beb7-5857-4685-be1f-d57550cc96cc" xsi:nil="true"/>
-    <CSXSubmissionMarket xmlns="4873beb7-5857-4685-be1f-d57550cc96cc" xsi:nil="true"/>
-    <Downloads xmlns="4873beb7-5857-4685-be1f-d57550cc96cc">0</Downloads>
-    <ArtSampleDocs xmlns="4873beb7-5857-4685-be1f-d57550cc96cc" xsi:nil="true"/>
-    <TrustLevel xmlns="4873beb7-5857-4685-be1f-d57550cc96cc">1 Microsoft Managed Content</TrustLevel>
-    <BlockPublish xmlns="4873beb7-5857-4685-be1f-d57550cc96cc">false</BlockPublish>
-    <TPLaunchHelpLinkType xmlns="4873beb7-5857-4685-be1f-d57550cc96cc">Template</TPLaunchHelpLinkType>
-    <LocalizationTagsTaxHTField0 xmlns="4873beb7-5857-4685-be1f-d57550cc96cc">
-      <Terms xmlns="http://schemas.microsoft.com/office/infopath/2007/PartnerControls"/>
-    </LocalizationTagsTaxHTField0>
-    <BusinessGroup xmlns="4873beb7-5857-4685-be1f-d57550cc96cc" xsi:nil="true"/>
-    <Providers xmlns="4873beb7-5857-4685-be1f-d57550cc96cc" xsi:nil="true"/>
-    <TemplateTemplateType xmlns="4873beb7-5857-4685-be1f-d57550cc96cc">PowerPoint Presentation Template</TemplateTemplateType>
-    <TimesCloned xmlns="4873beb7-5857-4685-be1f-d57550cc96cc" xsi:nil="true"/>
-    <TPAppVersion xmlns="4873beb7-5857-4685-be1f-d57550cc96cc" xsi:nil="true"/>
-    <VoteCount xmlns="4873beb7-5857-4685-be1f-d57550cc96cc" xsi:nil="true"/>
-    <AverageRating xmlns="4873beb7-5857-4685-be1f-d57550cc96cc" xsi:nil="true"/>
-    <FeatureTagsTaxHTField0 xmlns="4873beb7-5857-4685-be1f-d57550cc96cc">
-      <Terms xmlns="http://schemas.microsoft.com/office/infopath/2007/PartnerControls"/>
-    </FeatureTagsTaxHTField0>
-    <Provider xmlns="4873beb7-5857-4685-be1f-d57550cc96cc" xsi:nil="true"/>
-    <UACurrentWords xmlns="4873beb7-5857-4685-be1f-d57550cc96cc" xsi:nil="true"/>
-    <AssetId xmlns="4873beb7-5857-4685-be1f-d57550cc96cc">TP103431361</AssetId>
-    <TPClientViewer xmlns="4873beb7-5857-4685-be1f-d57550cc96cc" xsi:nil="true"/>
-    <DSATActionTaken xmlns="4873beb7-5857-4685-be1f-d57550cc96cc" xsi:nil="true"/>
-    <APEditor xmlns="4873beb7-5857-4685-be1f-d57550cc96cc">
-      <UserInfo>
-        <DisplayName/>
-        <AccountId xsi:nil="true"/>
-        <AccountType/>
-      </UserInfo>
-    </APEditor>
-    <TPInstallLocation xmlns="4873beb7-5857-4685-be1f-d57550cc96cc" xsi:nil="true"/>
-    <OOCacheId xmlns="4873beb7-5857-4685-be1f-d57550cc96cc" xsi:nil="true"/>
-    <IsDeleted xmlns="4873beb7-5857-4685-be1f-d57550cc96cc">false</IsDeleted>
-    <PublishTargets xmlns="4873beb7-5857-4685-be1f-d57550cc96cc">OfficeOnlineVNext</PublishTargets>
-    <ApprovalLog xmlns="4873beb7-5857-4685-be1f-d57550cc96cc" xsi:nil="true"/>
-    <BugNumber xmlns="4873beb7-5857-4685-be1f-d57550cc96cc" xsi:nil="true"/>
-    <CrawlForDependencies xmlns="4873beb7-5857-4685-be1f-d57550cc96cc">false</CrawlForDependencies>
-    <InternalTagsTaxHTField0 xmlns="4873beb7-5857-4685-be1f-d57550cc96cc">
-      <Terms xmlns="http://schemas.microsoft.com/office/infopath/2007/PartnerControls"/>
-    </InternalTagsTaxHTField0>
-    <LastHandOff xmlns="4873beb7-5857-4685-be1f-d57550cc96cc" xsi:nil="true"/>
-    <Milestone xmlns="4873beb7-5857-4685-be1f-d57550cc96cc" xsi:nil="true"/>
-    <OriginalRelease xmlns="4873beb7-5857-4685-be1f-d57550cc96cc">15</OriginalRelease>
-    <RecommendationsModifier xmlns="4873beb7-5857-4685-be1f-d57550cc96cc" xsi:nil="true"/>
-    <ScenarioTagsTaxHTField0 xmlns="4873beb7-5857-4685-be1f-d57550cc96cc">
-      <Terms xmlns="http://schemas.microsoft.com/office/infopath/2007/PartnerControls"/>
-    </ScenarioTagsTaxHTField0>
-    <UANotes xmlns="4873beb7-5857-4685-be1f-d57550cc96cc" xsi:nil="true"/>
-  </documentManagement>
-</p:properties>
-</file>
-
-<file path=customXml/item3.xml><?xml version="1.0" encoding="utf-8"?>
 <ct:contentTypeSchema xmlns:ct="http://schemas.microsoft.com/office/2006/metadata/contentType" xmlns:ma="http://schemas.microsoft.com/office/2006/metadata/properties/metaAttributes" ct:_="" ma:_="" ma:contentTypeName="TemplateFile" ma:contentTypeID="0x0101006EDDDB5EE6D98C44930B742096920B300400F5B6D36B3EF94B4E9A635CDF2A18F5B8" ma:contentTypeVersion="72" ma:contentTypeDescription="Create a new document." ma:contentTypeScope="" ma:versionID="a23e56308344d904b51738559c3d67c9">
   <xsd:schema xmlns:xsd="http://www.w3.org/2001/XMLSchema" xmlns:xs="http://www.w3.org/2001/XMLSchema" xmlns:p="http://schemas.microsoft.com/office/2006/metadata/properties" xmlns:ns2="4873beb7-5857-4685-be1f-d57550cc96cc" targetNamespace="http://schemas.microsoft.com/office/2006/metadata/properties" ma:root="true" ma:fieldsID="cd0908cc4600e77bf5da051303e00c8d" ns2:_="">
     <xsd:import namespace="4873beb7-5857-4685-be1f-d57550cc96cc"/>
@@ -29447,31 +28346,142 @@
 </ct:contentTypeSchema>
 </file>
 
-<file path=customXml/itemProps1.xml><?xml version="1.0" encoding="utf-8"?>
-<ds:datastoreItem xmlns:ds="http://schemas.openxmlformats.org/officeDocument/2006/customXml" ds:itemID="{561E720F-F05D-4536-9C34-0CFCED65D3B7}">
-  <ds:schemaRefs>
-    <ds:schemaRef ds:uri="http://schemas.microsoft.com/sharepoint/v3/contenttype/forms"/>
-  </ds:schemaRefs>
-</ds:datastoreItem>
+<file path=customXml/item2.xml><?xml version="1.0" encoding="utf-8"?>
+<?mso-contentType ?>
+<FormTemplates xmlns="http://schemas.microsoft.com/sharepoint/v3/contenttype/forms">
+  <Display>DocumentLibraryForm</Display>
+  <Edit>AssetEditForm</Edit>
+  <New>DocumentLibraryForm</New>
+</FormTemplates>
 </file>
 
-<file path=customXml/itemProps2.xml><?xml version="1.0" encoding="utf-8"?>
-<ds:datastoreItem xmlns:ds="http://schemas.openxmlformats.org/officeDocument/2006/customXml" ds:itemID="{8CDDBB83-77C1-4099-A0AA-289882E745E2}">
-  <ds:schemaRefs>
-    <ds:schemaRef ds:uri="http://purl.org/dc/terms/"/>
-    <ds:schemaRef ds:uri="http://schemas.microsoft.com/office/2006/documentManagement/types"/>
-    <ds:schemaRef ds:uri="http://purl.org/dc/elements/1.1/"/>
-    <ds:schemaRef ds:uri="http://schemas.microsoft.com/office/infopath/2007/PartnerControls"/>
-    <ds:schemaRef ds:uri="http://schemas.openxmlformats.org/package/2006/metadata/core-properties"/>
-    <ds:schemaRef ds:uri="http://www.w3.org/XML/1998/namespace"/>
-    <ds:schemaRef ds:uri="4873beb7-5857-4685-be1f-d57550cc96cc"/>
-    <ds:schemaRef ds:uri="http://schemas.microsoft.com/office/2006/metadata/properties"/>
-    <ds:schemaRef ds:uri="http://purl.org/dc/dcmitype/"/>
-  </ds:schemaRefs>
-</ds:datastoreItem>
+<file path=customXml/item3.xml><?xml version="1.0" encoding="utf-8"?>
+<p:properties xmlns:p="http://schemas.microsoft.com/office/2006/metadata/properties" xmlns:xsi="http://www.w3.org/2001/XMLSchema-instance" xmlns:pc="http://schemas.microsoft.com/office/infopath/2007/PartnerControls">
+  <documentManagement>
+    <APDescription xmlns="4873beb7-5857-4685-be1f-d57550cc96cc" xsi:nil="true"/>
+    <AssetExpire xmlns="4873beb7-5857-4685-be1f-d57550cc96cc">2029-01-01T08:00:00+00:00</AssetExpire>
+    <CampaignTagsTaxHTField0 xmlns="4873beb7-5857-4685-be1f-d57550cc96cc">
+      <Terms xmlns="http://schemas.microsoft.com/office/infopath/2007/PartnerControls"/>
+    </CampaignTagsTaxHTField0>
+    <IntlLangReviewDate xmlns="4873beb7-5857-4685-be1f-d57550cc96cc" xsi:nil="true"/>
+    <TPFriendlyName xmlns="4873beb7-5857-4685-be1f-d57550cc96cc" xsi:nil="true"/>
+    <IntlLangReview xmlns="4873beb7-5857-4685-be1f-d57550cc96cc">false</IntlLangReview>
+    <LocLastLocAttemptVersionLookup xmlns="4873beb7-5857-4685-be1f-d57550cc96cc">855024</LocLastLocAttemptVersionLookup>
+    <PolicheckWords xmlns="4873beb7-5857-4685-be1f-d57550cc96cc" xsi:nil="true"/>
+    <SubmitterId xmlns="4873beb7-5857-4685-be1f-d57550cc96cc" xsi:nil="true"/>
+    <AcquiredFrom xmlns="4873beb7-5857-4685-be1f-d57550cc96cc">Internal MS</AcquiredFrom>
+    <EditorialStatus xmlns="4873beb7-5857-4685-be1f-d57550cc96cc">Complete</EditorialStatus>
+    <Markets xmlns="4873beb7-5857-4685-be1f-d57550cc96cc"/>
+    <OriginAsset xmlns="4873beb7-5857-4685-be1f-d57550cc96cc" xsi:nil="true"/>
+    <AssetStart xmlns="4873beb7-5857-4685-be1f-d57550cc96cc">2012-08-31T08:50:00+00:00</AssetStart>
+    <FriendlyTitle xmlns="4873beb7-5857-4685-be1f-d57550cc96cc" xsi:nil="true"/>
+    <MarketSpecific xmlns="4873beb7-5857-4685-be1f-d57550cc96cc">false</MarketSpecific>
+    <TPNamespace xmlns="4873beb7-5857-4685-be1f-d57550cc96cc" xsi:nil="true"/>
+    <PublishStatusLookup xmlns="4873beb7-5857-4685-be1f-d57550cc96cc">
+      <Value>1616423</Value>
+    </PublishStatusLookup>
+    <APAuthor xmlns="4873beb7-5857-4685-be1f-d57550cc96cc">
+      <UserInfo>
+        <DisplayName>REDMOND\kristaa</DisplayName>
+        <AccountId>136</AccountId>
+        <AccountType/>
+      </UserInfo>
+    </APAuthor>
+    <TPCommandLine xmlns="4873beb7-5857-4685-be1f-d57550cc96cc" xsi:nil="true"/>
+    <IntlLangReviewer xmlns="4873beb7-5857-4685-be1f-d57550cc96cc" xsi:nil="true"/>
+    <OpenTemplate xmlns="4873beb7-5857-4685-be1f-d57550cc96cc">true</OpenTemplate>
+    <CSXSubmissionDate xmlns="4873beb7-5857-4685-be1f-d57550cc96cc" xsi:nil="true"/>
+    <TaxCatchAll xmlns="4873beb7-5857-4685-be1f-d57550cc96cc"/>
+    <Manager xmlns="4873beb7-5857-4685-be1f-d57550cc96cc" xsi:nil="true"/>
+    <NumericId xmlns="4873beb7-5857-4685-be1f-d57550cc96cc" xsi:nil="true"/>
+    <ParentAssetId xmlns="4873beb7-5857-4685-be1f-d57550cc96cc" xsi:nil="true"/>
+    <OriginalSourceMarket xmlns="4873beb7-5857-4685-be1f-d57550cc96cc" xsi:nil="true"/>
+    <ApprovalStatus xmlns="4873beb7-5857-4685-be1f-d57550cc96cc">InProgress</ApprovalStatus>
+    <TPComponent xmlns="4873beb7-5857-4685-be1f-d57550cc96cc" xsi:nil="true"/>
+    <EditorialTags xmlns="4873beb7-5857-4685-be1f-d57550cc96cc" xsi:nil="true"/>
+    <TPExecutable xmlns="4873beb7-5857-4685-be1f-d57550cc96cc" xsi:nil="true"/>
+    <TPLaunchHelpLink xmlns="4873beb7-5857-4685-be1f-d57550cc96cc" xsi:nil="true"/>
+    <LocComments xmlns="4873beb7-5857-4685-be1f-d57550cc96cc" xsi:nil="true"/>
+    <LocRecommendedHandoff xmlns="4873beb7-5857-4685-be1f-d57550cc96cc" xsi:nil="true"/>
+    <SourceTitle xmlns="4873beb7-5857-4685-be1f-d57550cc96cc" xsi:nil="true"/>
+    <CSXUpdate xmlns="4873beb7-5857-4685-be1f-d57550cc96cc">false</CSXUpdate>
+    <IntlLocPriority xmlns="4873beb7-5857-4685-be1f-d57550cc96cc" xsi:nil="true"/>
+    <UAProjectedTotalWords xmlns="4873beb7-5857-4685-be1f-d57550cc96cc" xsi:nil="true"/>
+    <AssetType xmlns="4873beb7-5857-4685-be1f-d57550cc96cc">TP</AssetType>
+    <MachineTranslated xmlns="4873beb7-5857-4685-be1f-d57550cc96cc">false</MachineTranslated>
+    <OutputCachingOn xmlns="4873beb7-5857-4685-be1f-d57550cc96cc">false</OutputCachingOn>
+    <TemplateStatus xmlns="4873beb7-5857-4685-be1f-d57550cc96cc">Complete</TemplateStatus>
+    <IsSearchable xmlns="4873beb7-5857-4685-be1f-d57550cc96cc">true</IsSearchable>
+    <ContentItem xmlns="4873beb7-5857-4685-be1f-d57550cc96cc" xsi:nil="true"/>
+    <HandoffToMSDN xmlns="4873beb7-5857-4685-be1f-d57550cc96cc" xsi:nil="true"/>
+    <ShowIn xmlns="4873beb7-5857-4685-be1f-d57550cc96cc">Show everywhere</ShowIn>
+    <ThumbnailAssetId xmlns="4873beb7-5857-4685-be1f-d57550cc96cc" xsi:nil="true"/>
+    <UALocComments xmlns="4873beb7-5857-4685-be1f-d57550cc96cc" xsi:nil="true"/>
+    <UALocRecommendation xmlns="4873beb7-5857-4685-be1f-d57550cc96cc">Localize</UALocRecommendation>
+    <LastModifiedDateTime xmlns="4873beb7-5857-4685-be1f-d57550cc96cc" xsi:nil="true"/>
+    <LegacyData xmlns="4873beb7-5857-4685-be1f-d57550cc96cc" xsi:nil="true"/>
+    <LocManualTestRequired xmlns="4873beb7-5857-4685-be1f-d57550cc96cc">false</LocManualTestRequired>
+    <LocMarketGroupTiers2 xmlns="4873beb7-5857-4685-be1f-d57550cc96cc" xsi:nil="true"/>
+    <ClipArtFilename xmlns="4873beb7-5857-4685-be1f-d57550cc96cc" xsi:nil="true"/>
+    <TPApplication xmlns="4873beb7-5857-4685-be1f-d57550cc96cc" xsi:nil="true"/>
+    <CSXHash xmlns="4873beb7-5857-4685-be1f-d57550cc96cc" xsi:nil="true"/>
+    <DirectSourceMarket xmlns="4873beb7-5857-4685-be1f-d57550cc96cc" xsi:nil="true"/>
+    <PrimaryImageGen xmlns="4873beb7-5857-4685-be1f-d57550cc96cc">true</PrimaryImageGen>
+    <PlannedPubDate xmlns="4873beb7-5857-4685-be1f-d57550cc96cc" xsi:nil="true"/>
+    <CSXSubmissionMarket xmlns="4873beb7-5857-4685-be1f-d57550cc96cc" xsi:nil="true"/>
+    <Downloads xmlns="4873beb7-5857-4685-be1f-d57550cc96cc">0</Downloads>
+    <ArtSampleDocs xmlns="4873beb7-5857-4685-be1f-d57550cc96cc" xsi:nil="true"/>
+    <TrustLevel xmlns="4873beb7-5857-4685-be1f-d57550cc96cc">1 Microsoft Managed Content</TrustLevel>
+    <BlockPublish xmlns="4873beb7-5857-4685-be1f-d57550cc96cc">false</BlockPublish>
+    <TPLaunchHelpLinkType xmlns="4873beb7-5857-4685-be1f-d57550cc96cc">Template</TPLaunchHelpLinkType>
+    <LocalizationTagsTaxHTField0 xmlns="4873beb7-5857-4685-be1f-d57550cc96cc">
+      <Terms xmlns="http://schemas.microsoft.com/office/infopath/2007/PartnerControls"/>
+    </LocalizationTagsTaxHTField0>
+    <BusinessGroup xmlns="4873beb7-5857-4685-be1f-d57550cc96cc" xsi:nil="true"/>
+    <Providers xmlns="4873beb7-5857-4685-be1f-d57550cc96cc" xsi:nil="true"/>
+    <TemplateTemplateType xmlns="4873beb7-5857-4685-be1f-d57550cc96cc">PowerPoint Presentation Template</TemplateTemplateType>
+    <TimesCloned xmlns="4873beb7-5857-4685-be1f-d57550cc96cc" xsi:nil="true"/>
+    <TPAppVersion xmlns="4873beb7-5857-4685-be1f-d57550cc96cc" xsi:nil="true"/>
+    <VoteCount xmlns="4873beb7-5857-4685-be1f-d57550cc96cc" xsi:nil="true"/>
+    <AverageRating xmlns="4873beb7-5857-4685-be1f-d57550cc96cc" xsi:nil="true"/>
+    <FeatureTagsTaxHTField0 xmlns="4873beb7-5857-4685-be1f-d57550cc96cc">
+      <Terms xmlns="http://schemas.microsoft.com/office/infopath/2007/PartnerControls"/>
+    </FeatureTagsTaxHTField0>
+    <Provider xmlns="4873beb7-5857-4685-be1f-d57550cc96cc" xsi:nil="true"/>
+    <UACurrentWords xmlns="4873beb7-5857-4685-be1f-d57550cc96cc" xsi:nil="true"/>
+    <AssetId xmlns="4873beb7-5857-4685-be1f-d57550cc96cc">TP103431361</AssetId>
+    <TPClientViewer xmlns="4873beb7-5857-4685-be1f-d57550cc96cc" xsi:nil="true"/>
+    <DSATActionTaken xmlns="4873beb7-5857-4685-be1f-d57550cc96cc" xsi:nil="true"/>
+    <APEditor xmlns="4873beb7-5857-4685-be1f-d57550cc96cc">
+      <UserInfo>
+        <DisplayName/>
+        <AccountId xsi:nil="true"/>
+        <AccountType/>
+      </UserInfo>
+    </APEditor>
+    <TPInstallLocation xmlns="4873beb7-5857-4685-be1f-d57550cc96cc" xsi:nil="true"/>
+    <OOCacheId xmlns="4873beb7-5857-4685-be1f-d57550cc96cc" xsi:nil="true"/>
+    <IsDeleted xmlns="4873beb7-5857-4685-be1f-d57550cc96cc">false</IsDeleted>
+    <PublishTargets xmlns="4873beb7-5857-4685-be1f-d57550cc96cc">OfficeOnlineVNext</PublishTargets>
+    <ApprovalLog xmlns="4873beb7-5857-4685-be1f-d57550cc96cc" xsi:nil="true"/>
+    <BugNumber xmlns="4873beb7-5857-4685-be1f-d57550cc96cc" xsi:nil="true"/>
+    <CrawlForDependencies xmlns="4873beb7-5857-4685-be1f-d57550cc96cc">false</CrawlForDependencies>
+    <InternalTagsTaxHTField0 xmlns="4873beb7-5857-4685-be1f-d57550cc96cc">
+      <Terms xmlns="http://schemas.microsoft.com/office/infopath/2007/PartnerControls"/>
+    </InternalTagsTaxHTField0>
+    <LastHandOff xmlns="4873beb7-5857-4685-be1f-d57550cc96cc" xsi:nil="true"/>
+    <Milestone xmlns="4873beb7-5857-4685-be1f-d57550cc96cc" xsi:nil="true"/>
+    <OriginalRelease xmlns="4873beb7-5857-4685-be1f-d57550cc96cc">15</OriginalRelease>
+    <RecommendationsModifier xmlns="4873beb7-5857-4685-be1f-d57550cc96cc" xsi:nil="true"/>
+    <ScenarioTagsTaxHTField0 xmlns="4873beb7-5857-4685-be1f-d57550cc96cc">
+      <Terms xmlns="http://schemas.microsoft.com/office/infopath/2007/PartnerControls"/>
+    </ScenarioTagsTaxHTField0>
+    <UANotes xmlns="4873beb7-5857-4685-be1f-d57550cc96cc" xsi:nil="true"/>
+  </documentManagement>
+</p:properties>
 </file>
 
-<file path=customXml/itemProps3.xml><?xml version="1.0" encoding="utf-8"?>
+<file path=customXml/itemProps1.xml><?xml version="1.0" encoding="utf-8"?>
 <ds:datastoreItem xmlns:ds="http://schemas.openxmlformats.org/officeDocument/2006/customXml" ds:itemID="{28C8B9CA-0273-4370-889A-FC05DA5C2FA5}">
   <ds:schemaRefs>
     <ds:schemaRef ds:uri="http://schemas.microsoft.com/office/2006/metadata/contentType"/>
@@ -29487,4 +28497,28 @@
     <ds:schemaRef ds:uri="http://schemas.microsoft.com/internal/obd"/>
   </ds:schemaRefs>
 </ds:datastoreItem>
+</file>
+
+<file path=customXml/itemProps2.xml><?xml version="1.0" encoding="utf-8"?>
+<ds:datastoreItem xmlns:ds="http://schemas.openxmlformats.org/officeDocument/2006/customXml" ds:itemID="{561E720F-F05D-4536-9C34-0CFCED65D3B7}">
+  <ds:schemaRefs>
+    <ds:schemaRef ds:uri="http://schemas.microsoft.com/sharepoint/v3/contenttype/forms"/>
+  </ds:schemaRefs>
+</ds:datastoreItem>
+</file>
+
+<file path=customXml/itemProps3.xml><?xml version="1.0" encoding="utf-8"?>
+<ds:datastoreItem xmlns:ds="http://schemas.openxmlformats.org/officeDocument/2006/customXml" ds:itemID="{8CDDBB83-77C1-4099-A0AA-289882E745E2}">
+  <ds:schemaRefs>
+    <ds:schemaRef ds:uri="http://purl.org/dc/terms/"/>
+    <ds:schemaRef ds:uri="http://schemas.microsoft.com/office/2006/documentManagement/types"/>
+    <ds:schemaRef ds:uri="http://purl.org/dc/elements/1.1/"/>
+    <ds:schemaRef ds:uri="http://schemas.microsoft.com/office/infopath/2007/PartnerControls"/>
+    <ds:schemaRef ds:uri="http://schemas.openxmlformats.org/package/2006/metadata/core-properties"/>
+    <ds:schemaRef ds:uri="http://www.w3.org/XML/1998/namespace"/>
+    <ds:schemaRef ds:uri="4873beb7-5857-4685-be1f-d57550cc96cc"/>
+    <ds:schemaRef ds:uri="http://schemas.microsoft.com/office/2006/metadata/properties"/>
+    <ds:schemaRef ds:uri="http://purl.org/dc/dcmitype/"/>
+  </ds:schemaRefs>
+</ds:datastoreItem>
 </file>
--- a/201907 -- Pelatihan R ganesha - day1.pptx
+++ b/201907 -- Pelatihan R ganesha - day1.pptx
@@ -315,7 +315,7 @@
           <a:p>
             <a:fld id="{23CEAAF3-9831-450B-8D59-2C09DB96C8FC}" type="datetimeFigureOut">
               <a:rPr lang="en-US"/>
-              <a:t>7/11/2019</a:t>
+              <a:t>7/28/2019</a:t>
             </a:fld>
             <a:endParaRPr/>
           </a:p>
@@ -480,7 +480,7 @@
           <a:p>
             <a:fld id="{2D50CD79-FC16-4410-AB61-17F26E6D3BC8}" type="datetimeFigureOut">
               <a:rPr lang="en-US"/>
-              <a:t>7/11/2019</a:t>
+              <a:t>7/28/2019</a:t>
             </a:fld>
             <a:endParaRPr/>
           </a:p>
@@ -1125,7 +1125,7 @@
             <a:fld id="{402B9795-92DC-40DC-A1CA-9A4B349D7824}" type="datetimeFigureOut">
               <a:rPr lang="en-US" smtClean="0"/>
               <a:pPr/>
-              <a:t>7/11/2019</a:t>
+              <a:t>7/28/2019</a:t>
             </a:fld>
             <a:endParaRPr lang="en-US" dirty="0"/>
           </a:p>
@@ -1414,7 +1414,7 @@
           <a:p>
             <a:fld id="{402B9795-92DC-40DC-A1CA-9A4B349D7824}" type="datetimeFigureOut">
               <a:rPr lang="en-US"/>
-              <a:t>7/11/2019</a:t>
+              <a:t>7/28/2019</a:t>
             </a:fld>
             <a:endParaRPr/>
           </a:p>
@@ -1594,7 +1594,7 @@
           <a:p>
             <a:fld id="{402B9795-92DC-40DC-A1CA-9A4B349D7824}" type="datetimeFigureOut">
               <a:rPr lang="en-US"/>
-              <a:t>7/11/2019</a:t>
+              <a:t>7/28/2019</a:t>
             </a:fld>
             <a:endParaRPr/>
           </a:p>
@@ -1784,7 +1784,7 @@
           <a:p>
             <a:fld id="{402B9795-92DC-40DC-A1CA-9A4B349D7824}" type="datetimeFigureOut">
               <a:rPr lang="en-US"/>
-              <a:t>7/11/2019</a:t>
+              <a:t>7/28/2019</a:t>
             </a:fld>
             <a:endParaRPr/>
           </a:p>
@@ -2051,7 +2051,7 @@
           <a:p>
             <a:fld id="{402B9795-92DC-40DC-A1CA-9A4B349D7824}" type="datetimeFigureOut">
               <a:rPr lang="en-US"/>
-              <a:t>7/11/2019</a:t>
+              <a:t>7/28/2019</a:t>
             </a:fld>
             <a:endParaRPr/>
           </a:p>
@@ -3073,7 +3073,7 @@
           <a:p>
             <a:fld id="{402B9795-92DC-40DC-A1CA-9A4B349D7824}" type="datetimeFigureOut">
               <a:rPr lang="en-US"/>
-              <a:t>7/11/2019</a:t>
+              <a:t>7/28/2019</a:t>
             </a:fld>
             <a:endParaRPr/>
           </a:p>
@@ -3343,7 +3343,7 @@
           <a:p>
             <a:fld id="{402B9795-92DC-40DC-A1CA-9A4B349D7824}" type="datetimeFigureOut">
               <a:rPr lang="en-US"/>
-              <a:t>7/11/2019</a:t>
+              <a:t>7/28/2019</a:t>
             </a:fld>
             <a:endParaRPr/>
           </a:p>
@@ -3720,7 +3720,7 @@
           <a:p>
             <a:fld id="{402B9795-92DC-40DC-A1CA-9A4B349D7824}" type="datetimeFigureOut">
               <a:rPr lang="en-US"/>
-              <a:t>7/11/2019</a:t>
+              <a:t>7/28/2019</a:t>
             </a:fld>
             <a:endParaRPr/>
           </a:p>
@@ -3849,7 +3849,7 @@
           <a:p>
             <a:fld id="{402B9795-92DC-40DC-A1CA-9A4B349D7824}" type="datetimeFigureOut">
               <a:rPr lang="en-US"/>
-              <a:t>7/11/2019</a:t>
+              <a:t>7/28/2019</a:t>
             </a:fld>
             <a:endParaRPr/>
           </a:p>
@@ -3956,7 +3956,7 @@
           <a:p>
             <a:fld id="{402B9795-92DC-40DC-A1CA-9A4B349D7824}" type="datetimeFigureOut">
               <a:rPr lang="en-US"/>
-              <a:t>7/11/2019</a:t>
+              <a:t>7/28/2019</a:t>
             </a:fld>
             <a:endParaRPr/>
           </a:p>
@@ -4245,7 +4245,7 @@
           <a:p>
             <a:fld id="{402B9795-92DC-40DC-A1CA-9A4B349D7824}" type="datetimeFigureOut">
               <a:rPr lang="en-US"/>
-              <a:t>7/11/2019</a:t>
+              <a:t>7/28/2019</a:t>
             </a:fld>
             <a:endParaRPr/>
           </a:p>
@@ -4497,7 +4497,7 @@
             <a:fld id="{402B9795-92DC-40DC-A1CA-9A4B349D7824}" type="datetimeFigureOut">
               <a:rPr lang="en-US" smtClean="0"/>
               <a:pPr/>
-              <a:t>7/11/2019</a:t>
+              <a:t>7/28/2019</a:t>
             </a:fld>
             <a:endParaRPr lang="en-US"/>
           </a:p>
@@ -5841,7 +5841,279 @@
           <a:bodyPr/>
           <a:lstStyle/>
           <a:p>
+            <a:r>
+              <a:rPr lang="en-US" dirty="0" err="1" smtClean="0"/>
+              <a:t>Eksplorasi</a:t>
+            </a:r>
+            <a:r>
+              <a:rPr lang="en-US" dirty="0" smtClean="0"/>
+              <a:t> data customer</a:t>
+            </a:r>
             <a:endParaRPr lang="en-US" dirty="0"/>
+          </a:p>
+          <a:p>
+            <a:r>
+              <a:rPr lang="en-US" dirty="0" err="1" smtClean="0"/>
+              <a:t>Bagaiman</a:t>
+            </a:r>
+            <a:r>
+              <a:rPr lang="en-US" dirty="0" err="1" smtClean="0"/>
+              <a:t>a</a:t>
+            </a:r>
+            <a:r>
+              <a:rPr lang="en-US" dirty="0" smtClean="0"/>
+              <a:t> </a:t>
+            </a:r>
+            <a:r>
+              <a:rPr lang="en-US" dirty="0" err="1" smtClean="0"/>
+              <a:t>mendapatkan</a:t>
+            </a:r>
+            <a:r>
+              <a:rPr lang="en-US" dirty="0" smtClean="0"/>
+              <a:t> customer yang </a:t>
+            </a:r>
+            <a:r>
+              <a:rPr lang="en-US" dirty="0" err="1" smtClean="0"/>
+              <a:t>melakukan</a:t>
+            </a:r>
+            <a:r>
+              <a:rPr lang="en-US" dirty="0" smtClean="0"/>
+              <a:t> </a:t>
+            </a:r>
+            <a:r>
+              <a:rPr lang="en-US" dirty="0" err="1" smtClean="0"/>
+              <a:t>transaksi</a:t>
+            </a:r>
+            <a:r>
+              <a:rPr lang="en-US" dirty="0" smtClean="0"/>
+              <a:t> </a:t>
+            </a:r>
+            <a:r>
+              <a:rPr lang="en-US" dirty="0" err="1" smtClean="0"/>
+              <a:t>pembelanjaan</a:t>
+            </a:r>
+            <a:r>
+              <a:rPr lang="en-US" dirty="0" smtClean="0"/>
+              <a:t> ?</a:t>
+            </a:r>
+          </a:p>
+          <a:p>
+            <a:r>
+              <a:rPr lang="en-US" dirty="0" err="1" smtClean="0"/>
+              <a:t>Tampilkan</a:t>
+            </a:r>
+            <a:r>
+              <a:rPr lang="en-US" dirty="0" smtClean="0"/>
+              <a:t> </a:t>
+            </a:r>
+            <a:r>
+              <a:rPr lang="en-US" dirty="0" err="1" smtClean="0"/>
+              <a:t>tabulasi</a:t>
+            </a:r>
+            <a:r>
+              <a:rPr lang="en-US" dirty="0" smtClean="0"/>
+              <a:t> </a:t>
+            </a:r>
+            <a:r>
+              <a:rPr lang="en-US" dirty="0" err="1" smtClean="0"/>
+              <a:t>silang</a:t>
+            </a:r>
+            <a:r>
+              <a:rPr lang="en-US" dirty="0" smtClean="0"/>
+              <a:t> </a:t>
+            </a:r>
+            <a:r>
+              <a:rPr lang="en-US" dirty="0" err="1" smtClean="0"/>
+              <a:t>untuk</a:t>
+            </a:r>
+            <a:r>
+              <a:rPr lang="en-US" dirty="0" smtClean="0"/>
+              <a:t> </a:t>
+            </a:r>
+            <a:r>
+              <a:rPr lang="en-US" dirty="0" err="1" smtClean="0"/>
+              <a:t>setiap</a:t>
+            </a:r>
+            <a:r>
+              <a:rPr lang="en-US" dirty="0" smtClean="0"/>
+              <a:t> merchant </a:t>
+            </a:r>
+          </a:p>
+          <a:p>
+            <a:r>
+              <a:rPr lang="en-US" dirty="0" err="1" smtClean="0"/>
+              <a:t>Tampilkan</a:t>
+            </a:r>
+            <a:r>
+              <a:rPr lang="en-US" dirty="0" smtClean="0"/>
+              <a:t> </a:t>
+            </a:r>
+            <a:r>
+              <a:rPr lang="en-US" dirty="0" err="1" smtClean="0"/>
+              <a:t>grafik</a:t>
+            </a:r>
+            <a:r>
+              <a:rPr lang="en-US" dirty="0" smtClean="0"/>
+              <a:t> yang </a:t>
+            </a:r>
+            <a:r>
+              <a:rPr lang="en-US" dirty="0" err="1" smtClean="0"/>
+              <a:t>sesuai</a:t>
+            </a:r>
+            <a:r>
+              <a:rPr lang="en-US" dirty="0" smtClean="0"/>
+              <a:t> </a:t>
+            </a:r>
+            <a:r>
+              <a:rPr lang="en-US" dirty="0" err="1" smtClean="0"/>
+              <a:t>untuk</a:t>
+            </a:r>
+            <a:r>
+              <a:rPr lang="en-US" dirty="0" smtClean="0"/>
+              <a:t> </a:t>
+            </a:r>
+            <a:r>
+              <a:rPr lang="en-US" dirty="0" err="1" smtClean="0"/>
+              <a:t>menampilkan</a:t>
+            </a:r>
+            <a:r>
+              <a:rPr lang="en-US" dirty="0" smtClean="0"/>
+              <a:t> </a:t>
+            </a:r>
+            <a:r>
+              <a:rPr lang="en-US" dirty="0" err="1" smtClean="0"/>
+              <a:t>hasil</a:t>
+            </a:r>
+            <a:r>
+              <a:rPr lang="en-US" dirty="0" smtClean="0"/>
+              <a:t> </a:t>
+            </a:r>
+            <a:r>
+              <a:rPr lang="en-US" dirty="0" err="1" smtClean="0"/>
+              <a:t>tiap</a:t>
+            </a:r>
+            <a:r>
+              <a:rPr lang="en-US" dirty="0" smtClean="0"/>
+              <a:t> merchant</a:t>
+            </a:r>
+          </a:p>
+          <a:p>
+            <a:r>
+              <a:rPr lang="en-US" dirty="0" err="1" smtClean="0"/>
+              <a:t>Eksplor</a:t>
+            </a:r>
+            <a:r>
+              <a:rPr lang="en-US" dirty="0" smtClean="0"/>
+              <a:t> </a:t>
+            </a:r>
+            <a:r>
+              <a:rPr lang="en-US" dirty="0" err="1" smtClean="0"/>
+              <a:t>lebih</a:t>
+            </a:r>
+            <a:r>
+              <a:rPr lang="en-US" dirty="0" smtClean="0"/>
+              <a:t> </a:t>
+            </a:r>
+            <a:r>
+              <a:rPr lang="en-US" dirty="0" err="1" smtClean="0"/>
+              <a:t>dalam</a:t>
+            </a:r>
+            <a:r>
+              <a:rPr lang="en-US" dirty="0" smtClean="0"/>
+              <a:t> data </a:t>
+            </a:r>
+            <a:r>
+              <a:rPr lang="en-US" dirty="0" err="1" smtClean="0"/>
+              <a:t>tersebut</a:t>
+            </a:r>
+            <a:r>
+              <a:rPr lang="en-US" dirty="0" smtClean="0"/>
+              <a:t> </a:t>
+            </a:r>
+            <a:r>
+              <a:rPr lang="en-US" dirty="0" err="1" smtClean="0"/>
+              <a:t>sehingga</a:t>
+            </a:r>
+            <a:r>
+              <a:rPr lang="en-US" dirty="0" smtClean="0"/>
+              <a:t> </a:t>
+            </a:r>
+            <a:r>
+              <a:rPr lang="en-US" dirty="0" err="1" smtClean="0"/>
+              <a:t>mendapatkan</a:t>
+            </a:r>
+            <a:r>
+              <a:rPr lang="en-US" dirty="0" smtClean="0"/>
+              <a:t> </a:t>
+            </a:r>
+            <a:r>
+              <a:rPr lang="en-US" dirty="0" err="1" smtClean="0"/>
+              <a:t>informasi</a:t>
+            </a:r>
+            <a:r>
+              <a:rPr lang="en-US" dirty="0" smtClean="0"/>
+              <a:t> yang </a:t>
+            </a:r>
+            <a:r>
+              <a:rPr lang="en-US" dirty="0" err="1" smtClean="0"/>
+              <a:t>bisa</a:t>
+            </a:r>
+            <a:r>
+              <a:rPr lang="en-US" dirty="0" smtClean="0"/>
+              <a:t> </a:t>
+            </a:r>
+            <a:r>
+              <a:rPr lang="en-US" dirty="0" err="1" smtClean="0"/>
+              <a:t>menjadi</a:t>
+            </a:r>
+            <a:r>
+              <a:rPr lang="en-US" dirty="0" smtClean="0"/>
+              <a:t> </a:t>
+            </a:r>
+            <a:r>
+              <a:rPr lang="en-US" dirty="0" err="1" smtClean="0"/>
+              <a:t>rekomendasi</a:t>
+            </a:r>
+            <a:r>
+              <a:rPr lang="en-US" dirty="0" smtClean="0"/>
+              <a:t> </a:t>
+            </a:r>
+            <a:r>
+              <a:rPr lang="en-US" dirty="0" err="1" smtClean="0"/>
+              <a:t>untuk</a:t>
+            </a:r>
+            <a:r>
+              <a:rPr lang="en-US" dirty="0" smtClean="0"/>
+              <a:t> </a:t>
+            </a:r>
+            <a:r>
+              <a:rPr lang="en-US" dirty="0" err="1" smtClean="0"/>
+              <a:t>menentukan</a:t>
+            </a:r>
+            <a:r>
+              <a:rPr lang="en-US" dirty="0" smtClean="0"/>
+              <a:t> </a:t>
+            </a:r>
+            <a:r>
+              <a:rPr lang="en-US" dirty="0" err="1" smtClean="0"/>
+              <a:t>kebijakan</a:t>
+            </a:r>
+            <a:r>
+              <a:rPr lang="en-US" dirty="0" smtClean="0"/>
+              <a:t> </a:t>
+            </a:r>
+            <a:r>
+              <a:rPr lang="en-US" dirty="0" err="1" smtClean="0"/>
+              <a:t>pemasaran</a:t>
+            </a:r>
+            <a:r>
+              <a:rPr lang="en-US" smtClean="0"/>
+              <a:t> </a:t>
+            </a:r>
+            <a:endParaRPr lang="en-US" dirty="0" smtClean="0"/>
+          </a:p>
+          <a:p>
+            <a:endParaRPr lang="en-US" dirty="0" smtClean="0"/>
           </a:p>
         </p:txBody>
       </p:sp>
@@ -16572,11 +16844,7 @@
             </a:r>
             <a:r>
               <a:rPr lang="en-US" cap="none" dirty="0" smtClean="0"/>
-              <a:t> </a:t>
-            </a:r>
-            <a:r>
-              <a:rPr lang="en-US" cap="none" dirty="0" smtClean="0"/>
-              <a:t>Data</a:t>
+              <a:t> Data</a:t>
             </a:r>
             <a:endParaRPr lang="en-US" cap="none" dirty="0"/>
           </a:p>
@@ -16750,11 +17018,18 @@
               <a:buNone/>
             </a:pPr>
             <a:r>
+              <a:rPr lang="en-US" dirty="0" err="1" smtClean="0">
+                <a:latin typeface="Courier New" panose="02070309020205020404" pitchFamily="49" charset="0"/>
+                <a:cs typeface="Courier New" panose="02070309020205020404" pitchFamily="49" charset="0"/>
+              </a:rPr>
+              <a:t>dataimport</a:t>
+            </a:r>
+            <a:r>
               <a:rPr lang="en-US" dirty="0" smtClean="0">
                 <a:latin typeface="Courier New" panose="02070309020205020404" pitchFamily="49" charset="0"/>
                 <a:cs typeface="Courier New" panose="02070309020205020404" pitchFamily="49" charset="0"/>
               </a:rPr>
-              <a:t>data.txt </a:t>
+              <a:t> </a:t>
             </a:r>
             <a:r>
               <a:rPr lang="en-US" dirty="0">
@@ -16775,35 +17050,7 @@
                 <a:latin typeface="Courier New" panose="02070309020205020404" pitchFamily="49" charset="0"/>
                 <a:cs typeface="Courier New" panose="02070309020205020404" pitchFamily="49" charset="0"/>
               </a:rPr>
-              <a:t>("D</a:t>
-            </a:r>
-            <a:r>
-              <a:rPr lang="en-US" dirty="0" smtClean="0">
-                <a:latin typeface="Courier New" panose="02070309020205020404" pitchFamily="49" charset="0"/>
-                <a:cs typeface="Courier New" panose="02070309020205020404" pitchFamily="49" charset="0"/>
-              </a:rPr>
-              <a:t>:/</a:t>
-            </a:r>
-            <a:r>
-              <a:rPr lang="en-US" dirty="0" smtClean="0">
-                <a:latin typeface="Courier New" panose="02070309020205020404" pitchFamily="49" charset="0"/>
-                <a:cs typeface="Courier New" panose="02070309020205020404" pitchFamily="49" charset="0"/>
-              </a:rPr>
-              <a:t>eksplorasi</a:t>
-            </a:r>
-            <a:r>
-              <a:rPr lang="en-US" dirty="0" smtClean="0">
-                <a:latin typeface="Courier New" panose="02070309020205020404" pitchFamily="49" charset="0"/>
-                <a:cs typeface="Courier New" panose="02070309020205020404" pitchFamily="49" charset="0"/>
-              </a:rPr>
-              <a:t>.txt</a:t>
-            </a:r>
-            <a:r>
-              <a:rPr lang="en-US" dirty="0" smtClean="0">
-                <a:latin typeface="Courier New" panose="02070309020205020404" pitchFamily="49" charset="0"/>
-                <a:cs typeface="Courier New" panose="02070309020205020404" pitchFamily="49" charset="0"/>
-              </a:rPr>
-              <a:t>",</a:t>
+              <a:t>("D:/eksplorasi.txt",</a:t>
             </a:r>
             <a:r>
               <a:rPr lang="en-US" dirty="0" err="1" smtClean="0">
@@ -16949,7 +17196,6 @@
               <a:rPr lang="en-US" dirty="0"/>
               <a:t>Import Data</a:t>
             </a:r>
-            <a:endParaRPr lang="en-US" dirty="0"/>
           </a:p>
         </p:txBody>
       </p:sp>
@@ -17231,7 +17477,6 @@
               <a:rPr lang="en-US" dirty="0"/>
               <a:t>Import Data</a:t>
             </a:r>
-            <a:endParaRPr lang="en-US" dirty="0"/>
           </a:p>
         </p:txBody>
       </p:sp>
@@ -17546,7 +17791,6 @@
               <a:rPr lang="en-US" dirty="0"/>
               <a:t>Import Data</a:t>
             </a:r>
-            <a:endParaRPr lang="en-US" dirty="0"/>
           </a:p>
         </p:txBody>
       </p:sp>
@@ -17759,21 +18003,7 @@
                 <a:latin typeface="Courier New" panose="02070309020205020404" pitchFamily="49" charset="0"/>
                 <a:cs typeface="Courier New" panose="02070309020205020404" pitchFamily="49" charset="0"/>
               </a:rPr>
-              <a:t>:/</a:t>
-            </a:r>
-            <a:r>
-              <a:rPr lang="sv-SE" dirty="0" smtClean="0">
-                <a:latin typeface="Courier New" panose="02070309020205020404" pitchFamily="49" charset="0"/>
-                <a:cs typeface="Courier New" panose="02070309020205020404" pitchFamily="49" charset="0"/>
-              </a:rPr>
-              <a:t>eksplorasi</a:t>
-            </a:r>
-            <a:r>
-              <a:rPr lang="sv-SE" dirty="0" smtClean="0">
-                <a:latin typeface="Courier New" panose="02070309020205020404" pitchFamily="49" charset="0"/>
-                <a:cs typeface="Courier New" panose="02070309020205020404" pitchFamily="49" charset="0"/>
-              </a:rPr>
-              <a:t>.sas7bdat</a:t>
+              <a:t>:/eksplorasi.sas7bdat</a:t>
             </a:r>
             <a:r>
               <a:rPr lang="sv-SE" dirty="0">
@@ -19343,12 +19573,10 @@
                 </a:solidFill>
                 <a:latin typeface="Lucida Console" panose="020B0609040504020204" pitchFamily="49" charset="0"/>
               </a:rPr>
-              <a:t>age==18|age&gt;24age==5</a:t>
-            </a:r>
-          </a:p>
-          <a:p>
-            <a:r>
-              <a:rPr lang="en-US" sz="2400" dirty="0">
+              <a:t>age==</a:t>
+            </a:r>
+            <a:r>
+              <a:rPr lang="en-US" sz="2400" dirty="0" smtClean="0">
                 <a:solidFill>
                   <a:schemeClr val="accent5">
                     <a:lumMod val="40000"/>
@@ -19357,7 +19585,33 @@
                 </a:solidFill>
                 <a:latin typeface="Lucida Console" panose="020B0609040504020204" pitchFamily="49" charset="0"/>
               </a:rPr>
-              <a:t>age==18||age&gt;24</a:t>
+              <a:t>18|age&gt;24</a:t>
+            </a:r>
+          </a:p>
+          <a:p>
+            <a:r>
+              <a:rPr lang="en-US" sz="2400" dirty="0" smtClean="0">
+                <a:solidFill>
+                  <a:schemeClr val="accent5">
+                    <a:lumMod val="40000"/>
+                    <a:lumOff val="60000"/>
+                  </a:schemeClr>
+                </a:solidFill>
+                <a:latin typeface="Lucida Console" panose="020B0609040504020204" pitchFamily="49" charset="0"/>
+              </a:rPr>
+              <a:t>age</a:t>
+            </a:r>
+            <a:r>
+              <a:rPr lang="en-US" sz="2400" dirty="0">
+                <a:solidFill>
+                  <a:schemeClr val="accent5">
+                    <a:lumMod val="40000"/>
+                    <a:lumOff val="60000"/>
+                  </a:schemeClr>
+                </a:solidFill>
+                <a:latin typeface="Lucida Console" panose="020B0609040504020204" pitchFamily="49" charset="0"/>
+              </a:rPr>
+              <a:t>==18||age&gt;24</a:t>
             </a:r>
           </a:p>
         </p:txBody>
@@ -19793,7 +20047,7 @@
         </p:nvSpPr>
         <p:spPr>
           <a:xfrm>
-            <a:off x="1430927" y="1529597"/>
+            <a:off x="1094042" y="1529597"/>
             <a:ext cx="10221142" cy="584775"/>
           </a:xfrm>
           <a:prstGeom prst="rect">
@@ -19853,7 +20107,7 @@
         </p:nvSpPr>
         <p:spPr>
           <a:xfrm>
-            <a:off x="1530257" y="2393495"/>
+            <a:off x="1193372" y="2393495"/>
             <a:ext cx="10121812" cy="461665"/>
           </a:xfrm>
           <a:prstGeom prst="rect">
@@ -19945,7 +20199,7 @@
         </p:nvSpPr>
         <p:spPr>
           <a:xfrm>
-            <a:off x="1430927" y="3497734"/>
+            <a:off x="1094042" y="3497734"/>
             <a:ext cx="10221142" cy="584775"/>
           </a:xfrm>
           <a:prstGeom prst="rect">
@@ -20002,7 +20256,7 @@
         </p:nvSpPr>
         <p:spPr>
           <a:xfrm>
-            <a:off x="1480592" y="4494250"/>
+            <a:off x="1143707" y="4494250"/>
             <a:ext cx="10121812" cy="461665"/>
           </a:xfrm>
           <a:prstGeom prst="rect">
@@ -20122,7 +20376,7 @@
         </p:nvSpPr>
         <p:spPr>
           <a:xfrm>
-            <a:off x="1430927" y="1529597"/>
+            <a:off x="1113294" y="1529597"/>
             <a:ext cx="10221142" cy="584775"/>
           </a:xfrm>
           <a:prstGeom prst="rect">
@@ -20182,7 +20436,7 @@
         </p:nvSpPr>
         <p:spPr>
           <a:xfrm>
-            <a:off x="1530257" y="2393495"/>
+            <a:off x="1212624" y="2393495"/>
             <a:ext cx="10121812" cy="830997"/>
           </a:xfrm>
           <a:prstGeom prst="rect">
@@ -20225,7 +20479,7 @@
         </p:nvSpPr>
         <p:spPr>
           <a:xfrm>
-            <a:off x="1430927" y="3497734"/>
+            <a:off x="1113294" y="3497734"/>
             <a:ext cx="10221142" cy="584775"/>
           </a:xfrm>
           <a:prstGeom prst="rect">
@@ -20282,7 +20536,7 @@
         </p:nvSpPr>
         <p:spPr>
           <a:xfrm>
-            <a:off x="1530257" y="4355751"/>
+            <a:off x="1212624" y="4355751"/>
             <a:ext cx="10121812" cy="461665"/>
           </a:xfrm>
           <a:prstGeom prst="rect">
@@ -20402,7 +20656,7 @@
         </p:nvSpPr>
         <p:spPr>
           <a:xfrm>
-            <a:off x="1430927" y="1529597"/>
+            <a:off x="1103671" y="1529597"/>
             <a:ext cx="10221142" cy="1569660"/>
           </a:xfrm>
           <a:prstGeom prst="rect">
@@ -20489,7 +20743,7 @@
         </p:nvSpPr>
         <p:spPr>
           <a:xfrm>
-            <a:off x="1480592" y="3199433"/>
+            <a:off x="1153336" y="3199433"/>
             <a:ext cx="10121812" cy="1200329"/>
           </a:xfrm>
           <a:prstGeom prst="rect">
@@ -23986,7 +24240,6 @@
               <a:rPr lang="en-US" dirty="0"/>
               <a:t>Import Data</a:t>
             </a:r>
-            <a:endParaRPr lang="en-US" dirty="0"/>
           </a:p>
         </p:txBody>
       </p:sp>
@@ -25610,35 +25863,42 @@
                 <a:latin typeface="Courier New" panose="02070309020205020404" pitchFamily="49" charset="0"/>
                 <a:cs typeface="Courier New" panose="02070309020205020404" pitchFamily="49" charset="0"/>
               </a:rPr>
-              <a:t>ata.csv[, </a:t>
+              <a:t>ata.csv[, “</a:t>
+            </a:r>
+            <a:r>
+              <a:rPr lang="en-US" dirty="0" err="1" smtClean="0">
+                <a:latin typeface="Courier New" panose="02070309020205020404" pitchFamily="49" charset="0"/>
+                <a:cs typeface="Courier New" panose="02070309020205020404" pitchFamily="49" charset="0"/>
+              </a:rPr>
+              <a:t>ed</a:t>
             </a:r>
             <a:r>
               <a:rPr lang="en-US" dirty="0" smtClean="0">
                 <a:latin typeface="Courier New" panose="02070309020205020404" pitchFamily="49" charset="0"/>
                 <a:cs typeface="Courier New" panose="02070309020205020404" pitchFamily="49" charset="0"/>
               </a:rPr>
-              <a:t>“</a:t>
+              <a:t>”]	#</a:t>
             </a:r>
             <a:r>
               <a:rPr lang="en-US" dirty="0" err="1" smtClean="0">
                 <a:latin typeface="Courier New" panose="02070309020205020404" pitchFamily="49" charset="0"/>
                 <a:cs typeface="Courier New" panose="02070309020205020404" pitchFamily="49" charset="0"/>
               </a:rPr>
-              <a:t>ed</a:t>
+              <a:t>nama</a:t>
             </a:r>
             <a:r>
               <a:rPr lang="en-US" dirty="0" smtClean="0">
                 <a:latin typeface="Courier New" panose="02070309020205020404" pitchFamily="49" charset="0"/>
                 <a:cs typeface="Courier New" panose="02070309020205020404" pitchFamily="49" charset="0"/>
               </a:rPr>
-              <a:t>”]	#</a:t>
+              <a:t> </a:t>
             </a:r>
             <a:r>
               <a:rPr lang="en-US" dirty="0" err="1" smtClean="0">
                 <a:latin typeface="Courier New" panose="02070309020205020404" pitchFamily="49" charset="0"/>
                 <a:cs typeface="Courier New" panose="02070309020205020404" pitchFamily="49" charset="0"/>
               </a:rPr>
-              <a:t>nama</a:t>
+              <a:t>variabel</a:t>
             </a:r>
             <a:r>
               <a:rPr lang="en-US" dirty="0" smtClean="0">
@@ -25652,7 +25912,7 @@
                 <a:latin typeface="Courier New" panose="02070309020205020404" pitchFamily="49" charset="0"/>
                 <a:cs typeface="Courier New" panose="02070309020205020404" pitchFamily="49" charset="0"/>
               </a:rPr>
-              <a:t>variabel</a:t>
+              <a:t>dengan</a:t>
             </a:r>
             <a:r>
               <a:rPr lang="en-US" dirty="0" smtClean="0">
@@ -25666,33 +25926,15 @@
                 <a:latin typeface="Courier New" panose="02070309020205020404" pitchFamily="49" charset="0"/>
                 <a:cs typeface="Courier New" panose="02070309020205020404" pitchFamily="49" charset="0"/>
               </a:rPr>
-              <a:t>dengan</a:t>
+              <a:t>kutip</a:t>
             </a:r>
             <a:r>
               <a:rPr lang="en-US" dirty="0" smtClean="0">
                 <a:latin typeface="Courier New" panose="02070309020205020404" pitchFamily="49" charset="0"/>
                 <a:cs typeface="Courier New" panose="02070309020205020404" pitchFamily="49" charset="0"/>
               </a:rPr>
-              <a:t> </a:t>
-            </a:r>
-            <a:r>
-              <a:rPr lang="en-US" dirty="0" err="1" smtClean="0">
-                <a:latin typeface="Courier New" panose="02070309020205020404" pitchFamily="49" charset="0"/>
-                <a:cs typeface="Courier New" panose="02070309020205020404" pitchFamily="49" charset="0"/>
-              </a:rPr>
-              <a:t>kutip</a:t>
-            </a:r>
-            <a:r>
-              <a:rPr lang="en-US" dirty="0" smtClean="0">
-                <a:latin typeface="Courier New" panose="02070309020205020404" pitchFamily="49" charset="0"/>
-                <a:cs typeface="Courier New" panose="02070309020205020404" pitchFamily="49" charset="0"/>
-              </a:rPr>
               <a:t> (vector)</a:t>
             </a:r>
-            <a:endParaRPr lang="en-US" dirty="0" smtClean="0">
-              <a:latin typeface="Courier New" panose="02070309020205020404" pitchFamily="49" charset="0"/>
-              <a:cs typeface="Courier New" panose="02070309020205020404" pitchFamily="49" charset="0"/>
-            </a:endParaRPr>
           </a:p>
           <a:p>
             <a:pPr marL="0" indent="0">
@@ -25716,14 +25958,7 @@
                 <a:latin typeface="Courier New" panose="02070309020205020404" pitchFamily="49" charset="0"/>
                 <a:cs typeface="Courier New" panose="02070309020205020404" pitchFamily="49" charset="0"/>
               </a:rPr>
-              <a:t>ata.csv[, </a:t>
-            </a:r>
-            <a:r>
-              <a:rPr lang="en-US" dirty="0" smtClean="0">
-                <a:latin typeface="Courier New" panose="02070309020205020404" pitchFamily="49" charset="0"/>
-                <a:cs typeface="Courier New" panose="02070309020205020404" pitchFamily="49" charset="0"/>
-              </a:rPr>
-              <a:t>2]</a:t>
+              <a:t>ata.csv[, 2]</a:t>
             </a:r>
             <a:r>
               <a:rPr lang="en-US" dirty="0">
@@ -26277,8 +26512,19 @@
                 <a:latin typeface="Courier New" panose="02070309020205020404" pitchFamily="49" charset="0"/>
                 <a:cs typeface="Courier New" panose="02070309020205020404" pitchFamily="49" charset="0"/>
               </a:rPr>
-              <a:t>data.csv[, -c(1, 3, 5)] # drop cols 1 and 3</a:t>
-            </a:r>
+              <a:t>data.csv[, -c(1, 3, 5)] # drop cols </a:t>
+            </a:r>
+            <a:r>
+              <a:rPr lang="en-US" dirty="0" smtClean="0">
+                <a:latin typeface="Courier New" panose="02070309020205020404" pitchFamily="49" charset="0"/>
+                <a:cs typeface="Courier New" panose="02070309020205020404" pitchFamily="49" charset="0"/>
+              </a:rPr>
+              <a:t>1,3 and 5</a:t>
+            </a:r>
+            <a:endParaRPr lang="en-US" dirty="0">
+              <a:latin typeface="Courier New" panose="02070309020205020404" pitchFamily="49" charset="0"/>
+              <a:cs typeface="Courier New" panose="02070309020205020404" pitchFamily="49" charset="0"/>
+            </a:endParaRPr>
           </a:p>
         </p:txBody>
       </p:sp>
@@ -27227,48 +27473,15 @@
           <a:lstStyle/>
           <a:p>
             <a:r>
-              <a:rPr lang="en-US" dirty="0" err="1"/>
-              <a:t>Memfilter</a:t>
-            </a:r>
-            <a:r>
-              <a:rPr lang="en-US" dirty="0"/>
-              <a:t> </a:t>
-            </a:r>
-            <a:r>
-              <a:rPr lang="en-US" dirty="0" err="1"/>
-              <a:t>pelanggan</a:t>
-            </a:r>
-            <a:r>
-              <a:rPr lang="en-US" dirty="0"/>
-              <a:t> yang </a:t>
-            </a:r>
-            <a:r>
-              <a:rPr lang="en-US" dirty="0" err="1" smtClean="0"/>
-              <a:t>memiliki</a:t>
-            </a:r>
-            <a:r>
-              <a:rPr lang="en-US" dirty="0" smtClean="0"/>
-              <a:t> </a:t>
-            </a:r>
-            <a:r>
-              <a:rPr lang="en-US" dirty="0" err="1" smtClean="0"/>
-              <a:t>pendapatan</a:t>
-            </a:r>
-            <a:r>
-              <a:rPr lang="en-US" dirty="0" smtClean="0"/>
-              <a:t> &gt; 60 </a:t>
-            </a:r>
-            <a:r>
-              <a:rPr lang="en-US" dirty="0" err="1" smtClean="0"/>
-              <a:t>juta</a:t>
-            </a:r>
-            <a:endParaRPr lang="en-US" dirty="0" smtClean="0"/>
+              <a:rPr lang="id-ID" dirty="0" smtClean="0"/>
+              <a:t>Memfilter pelanggan yang memiliki pendapatan &gt; 60 juta</a:t>
+            </a:r>
           </a:p>
           <a:p>
             <a:pPr marL="0" indent="0">
               <a:buNone/>
             </a:pPr>
-            <a:endParaRPr lang="en-US" dirty="0"/>
+            <a:endParaRPr lang="id-ID" dirty="0" smtClean="0"/>
           </a:p>
           <a:p>
             <a:pPr marL="0" indent="0">
@@ -27281,32 +27494,11 @@
               <a:buNone/>
             </a:pPr>
             <a:r>
-              <a:rPr lang="en-US" dirty="0" smtClean="0">
-                <a:latin typeface="Courier New" panose="02070309020205020404" pitchFamily="49" charset="0"/>
-                <a:cs typeface="Courier New" panose="02070309020205020404" pitchFamily="49" charset="0"/>
-              </a:rPr>
-              <a:t>subset(</a:t>
-            </a:r>
-            <a:r>
-              <a:rPr lang="en-US" dirty="0" err="1" smtClean="0">
-                <a:latin typeface="Courier New" panose="02070309020205020404" pitchFamily="49" charset="0"/>
-                <a:cs typeface="Courier New" panose="02070309020205020404" pitchFamily="49" charset="0"/>
-              </a:rPr>
-              <a:t>data.csv,subset</a:t>
-            </a:r>
-            <a:r>
-              <a:rPr lang="en-US" dirty="0" smtClean="0">
-                <a:latin typeface="Courier New" panose="02070309020205020404" pitchFamily="49" charset="0"/>
-                <a:cs typeface="Courier New" panose="02070309020205020404" pitchFamily="49" charset="0"/>
-              </a:rPr>
-              <a:t>=income&gt;60</a:t>
-            </a:r>
-            <a:r>
-              <a:rPr lang="en-US" dirty="0">
-                <a:latin typeface="Courier New" panose="02070309020205020404" pitchFamily="49" charset="0"/>
-                <a:cs typeface="Courier New" panose="02070309020205020404" pitchFamily="49" charset="0"/>
-              </a:rPr>
-              <a:t>)</a:t>
+              <a:rPr lang="id-ID" dirty="0" smtClean="0">
+                <a:latin typeface="Courier New" panose="02070309020205020404" pitchFamily="49" charset="0"/>
+                <a:cs typeface="Courier New" panose="02070309020205020404" pitchFamily="49" charset="0"/>
+              </a:rPr>
+              <a:t>subset(data.csv,subset=income&gt;60)</a:t>
             </a:r>
           </a:p>
           <a:p>
@@ -27320,81 +27512,18 @@
               <a:buNone/>
             </a:pPr>
             <a:r>
-              <a:rPr lang="en-US" dirty="0">
-                <a:latin typeface="Courier New" panose="02070309020205020404" pitchFamily="49" charset="0"/>
-                <a:cs typeface="Courier New" panose="02070309020205020404" pitchFamily="49" charset="0"/>
-              </a:rPr>
-              <a:t>(</a:t>
-            </a:r>
-            <a:r>
-              <a:rPr lang="en-US" dirty="0" err="1">
-                <a:latin typeface="Courier New" panose="02070309020205020404" pitchFamily="49" charset="0"/>
-                <a:cs typeface="Courier New" panose="02070309020205020404" pitchFamily="49" charset="0"/>
-              </a:rPr>
-              <a:t>proporsi.pendapatan</a:t>
-            </a:r>
-            <a:r>
-              <a:rPr lang="en-US" dirty="0" smtClean="0">
-                <a:latin typeface="Courier New" panose="02070309020205020404" pitchFamily="49" charset="0"/>
-                <a:cs typeface="Courier New" panose="02070309020205020404" pitchFamily="49" charset="0"/>
-              </a:rPr>
-              <a:t>&lt;-		</a:t>
-            </a:r>
-            <a:r>
-              <a:rPr lang="en-US" dirty="0" err="1" smtClean="0">
-                <a:latin typeface="Courier New" panose="02070309020205020404" pitchFamily="49" charset="0"/>
-                <a:cs typeface="Courier New" panose="02070309020205020404" pitchFamily="49" charset="0"/>
-              </a:rPr>
-              <a:t>nrow</a:t>
-            </a:r>
-            <a:r>
-              <a:rPr lang="en-US" dirty="0" smtClean="0">
-                <a:latin typeface="Courier New" panose="02070309020205020404" pitchFamily="49" charset="0"/>
-                <a:cs typeface="Courier New" panose="02070309020205020404" pitchFamily="49" charset="0"/>
-              </a:rPr>
-              <a:t>(subset(</a:t>
-            </a:r>
-            <a:r>
-              <a:rPr lang="en-US" dirty="0" err="1" smtClean="0">
-                <a:latin typeface="Courier New" panose="02070309020205020404" pitchFamily="49" charset="0"/>
-                <a:cs typeface="Courier New" panose="02070309020205020404" pitchFamily="49" charset="0"/>
-              </a:rPr>
-              <a:t>data.csv,subset</a:t>
-            </a:r>
-            <a:r>
-              <a:rPr lang="en-US" dirty="0" smtClean="0">
-                <a:latin typeface="Courier New" panose="02070309020205020404" pitchFamily="49" charset="0"/>
-                <a:cs typeface="Courier New" panose="02070309020205020404" pitchFamily="49" charset="0"/>
-              </a:rPr>
-              <a:t>=income&gt;60</a:t>
-            </a:r>
-            <a:r>
-              <a:rPr lang="en-US" dirty="0">
-                <a:latin typeface="Courier New" panose="02070309020205020404" pitchFamily="49" charset="0"/>
-                <a:cs typeface="Courier New" panose="02070309020205020404" pitchFamily="49" charset="0"/>
-              </a:rPr>
-              <a:t>))/</a:t>
-            </a:r>
-            <a:r>
-              <a:rPr lang="en-US" dirty="0" err="1">
-                <a:latin typeface="Courier New" panose="02070309020205020404" pitchFamily="49" charset="0"/>
-                <a:cs typeface="Courier New" panose="02070309020205020404" pitchFamily="49" charset="0"/>
-              </a:rPr>
-              <a:t>nrow</a:t>
-            </a:r>
-            <a:r>
-              <a:rPr lang="en-US" dirty="0">
-                <a:latin typeface="Courier New" panose="02070309020205020404" pitchFamily="49" charset="0"/>
-                <a:cs typeface="Courier New" panose="02070309020205020404" pitchFamily="49" charset="0"/>
-              </a:rPr>
-              <a:t>(data.csv)*100)</a:t>
+              <a:rPr lang="id-ID" dirty="0" smtClean="0">
+                <a:latin typeface="Courier New" panose="02070309020205020404" pitchFamily="49" charset="0"/>
+                <a:cs typeface="Courier New" panose="02070309020205020404" pitchFamily="49" charset="0"/>
+              </a:rPr>
+              <a:t>(proporsi.pendapatan&lt;-		nrow(subset(data.csv,subset=income&gt;60))/nrow(data.csv)*100)</a:t>
             </a:r>
           </a:p>
           <a:p>
             <a:pPr marL="0" indent="0">
               <a:buNone/>
             </a:pPr>
-            <a:endParaRPr lang="en-US" dirty="0">
+            <a:endParaRPr lang="id-ID" dirty="0">
               <a:latin typeface="Courier New" panose="02070309020205020404" pitchFamily="49" charset="0"/>
               <a:cs typeface="Courier New" panose="02070309020205020404" pitchFamily="49" charset="0"/>
             </a:endParaRPr>
@@ -28605,7 +28734,7 @@
         </p:nvSpPr>
         <p:spPr>
           <a:xfrm>
-            <a:off x="1104900" y="1600200"/>
+            <a:off x="945768" y="1600200"/>
             <a:ext cx="9819774" cy="4572000"/>
           </a:xfrm>
         </p:spPr>
@@ -28757,8 +28886,47 @@
                 <a:latin typeface="Courier New" panose="02070309020205020404" pitchFamily="49" charset="0"/>
                 <a:cs typeface="Courier New" panose="02070309020205020404" pitchFamily="49" charset="0"/>
               </a:rPr>
-              <a:t>(df3,df2)</a:t>
-            </a:r>
+              <a:t>(df3,df2</a:t>
+            </a:r>
+            <a:r>
+              <a:rPr lang="en-US" dirty="0" smtClean="0">
+                <a:latin typeface="Courier New" panose="02070309020205020404" pitchFamily="49" charset="0"/>
+                <a:cs typeface="Courier New" panose="02070309020205020404" pitchFamily="49" charset="0"/>
+              </a:rPr>
+              <a:t>) #</a:t>
+            </a:r>
+            <a:r>
+              <a:rPr lang="en-US" dirty="0" err="1" smtClean="0">
+                <a:latin typeface="Courier New" panose="02070309020205020404" pitchFamily="49" charset="0"/>
+                <a:cs typeface="Courier New" panose="02070309020205020404" pitchFamily="49" charset="0"/>
+              </a:rPr>
+              <a:t>rbind</a:t>
+            </a:r>
+            <a:r>
+              <a:rPr lang="en-US" dirty="0" smtClean="0">
+                <a:latin typeface="Courier New" panose="02070309020205020404" pitchFamily="49" charset="0"/>
+                <a:cs typeface="Courier New" panose="02070309020205020404" pitchFamily="49" charset="0"/>
+              </a:rPr>
+              <a:t> function </a:t>
+            </a:r>
+            <a:r>
+              <a:rPr lang="en-US" dirty="0" err="1" smtClean="0">
+                <a:latin typeface="Courier New" panose="02070309020205020404" pitchFamily="49" charset="0"/>
+                <a:cs typeface="Courier New" panose="02070309020205020404" pitchFamily="49" charset="0"/>
+              </a:rPr>
+              <a:t>menambahhkan</a:t>
+            </a:r>
+            <a:r>
+              <a:rPr lang="en-US" dirty="0" smtClean="0">
+                <a:latin typeface="Courier New" panose="02070309020205020404" pitchFamily="49" charset="0"/>
+                <a:cs typeface="Courier New" panose="02070309020205020404" pitchFamily="49" charset="0"/>
+              </a:rPr>
+              <a:t> row</a:t>
+            </a:r>
+            <a:endParaRPr lang="en-US" dirty="0">
+              <a:latin typeface="Courier New" panose="02070309020205020404" pitchFamily="49" charset="0"/>
+              <a:cs typeface="Courier New" panose="02070309020205020404" pitchFamily="49" charset="0"/>
+            </a:endParaRPr>
           </a:p>
         </p:txBody>
       </p:sp>
@@ -29421,7 +29589,7 @@
           <a:p>
             <a:r>
               <a:rPr lang="en-US" dirty="0" err="1" smtClean="0"/>
-              <a:t>Meduplikasi</a:t>
+              <a:t>Menambahkan</a:t>
             </a:r>
             <a:r>
               <a:rPr lang="en-US" dirty="0" smtClean="0"/>
@@ -29974,11 +30142,32 @@
               <a:t>dfnew</a:t>
             </a:r>
             <a:r>
+              <a:rPr lang="en-US" dirty="0" smtClean="0">
+                <a:latin typeface="Courier New" panose="02070309020205020404" pitchFamily="49" charset="0"/>
+                <a:cs typeface="Courier New" panose="02070309020205020404" pitchFamily="49" charset="0"/>
+              </a:rPr>
+              <a:t>)[“</a:t>
+            </a:r>
+            <a:r>
+              <a:rPr lang="en-US" dirty="0" err="1" smtClean="0">
+                <a:latin typeface="Courier New" panose="02070309020205020404" pitchFamily="49" charset="0"/>
+                <a:cs typeface="Courier New" panose="02070309020205020404" pitchFamily="49" charset="0"/>
+              </a:rPr>
+              <a:t>ed</a:t>
+            </a:r>
+            <a:r>
+              <a:rPr lang="en-US" dirty="0" smtClean="0">
+                <a:latin typeface="Courier New" panose="02070309020205020404" pitchFamily="49" charset="0"/>
+                <a:cs typeface="Courier New" panose="02070309020205020404" pitchFamily="49" charset="0"/>
+              </a:rPr>
+              <a:t>”] </a:t>
+            </a:r>
+            <a:r>
               <a:rPr lang="en-US" dirty="0">
                 <a:latin typeface="Courier New" panose="02070309020205020404" pitchFamily="49" charset="0"/>
                 <a:cs typeface="Courier New" panose="02070309020205020404" pitchFamily="49" charset="0"/>
               </a:rPr>
-              <a:t>)[2] &lt;- 'education'</a:t>
+              <a:t>&lt;- 'education'</a:t>
             </a:r>
           </a:p>
         </p:txBody>
@@ -37358,16 +37547,6 @@
               </a:rPr>
               <a:t>(10))</a:t>
             </a:r>
-            <a:endParaRPr lang="es-ES" sz="2000" dirty="0">
-              <a:solidFill>
-                <a:schemeClr val="accent5">
-                  <a:lumMod val="40000"/>
-                  <a:lumOff val="60000"/>
-                </a:schemeClr>
-              </a:solidFill>
-              <a:latin typeface="Lucida Console" panose="020B0609040504020204" pitchFamily="49" charset="0"/>
-              <a:cs typeface="Courier New" panose="02070309020205020404" pitchFamily="49" charset="0"/>
-            </a:endParaRPr>
           </a:p>
         </p:txBody>
       </p:sp>
@@ -37785,7 +37964,7 @@
         </p:nvSpPr>
         <p:spPr>
           <a:xfrm>
-            <a:off x="1452154" y="1690688"/>
+            <a:off x="1104900" y="1652187"/>
             <a:ext cx="3374770" cy="584775"/>
           </a:xfrm>
           <a:prstGeom prst="rect">
@@ -37824,7 +38003,7 @@
         </p:nvSpPr>
         <p:spPr>
           <a:xfrm>
-            <a:off x="1452154" y="3865337"/>
+            <a:off x="1104900" y="3826836"/>
             <a:ext cx="3374770" cy="584775"/>
           </a:xfrm>
           <a:prstGeom prst="rect">
@@ -37857,7 +38036,7 @@
         </p:nvSpPr>
         <p:spPr>
           <a:xfrm>
-            <a:off x="1953044" y="2354531"/>
+            <a:off x="1605790" y="2316030"/>
             <a:ext cx="9816590" cy="707886"/>
           </a:xfrm>
           <a:prstGeom prst="rect">
@@ -37914,7 +38093,7 @@
         </p:nvSpPr>
         <p:spPr>
           <a:xfrm>
-            <a:off x="1953044" y="4408770"/>
+            <a:off x="1605790" y="4370269"/>
             <a:ext cx="8471116" cy="400110"/>
           </a:xfrm>
           <a:prstGeom prst="rect">
@@ -38037,16 +38216,6 @@
               </a:rPr>
               <a:t>()</a:t>
             </a:r>
-            <a:endParaRPr lang="es-ES" sz="2000" dirty="0">
-              <a:solidFill>
-                <a:schemeClr val="accent5">
-                  <a:lumMod val="40000"/>
-                  <a:lumOff val="60000"/>
-                </a:schemeClr>
-              </a:solidFill>
-              <a:latin typeface="Lucida Console" panose="020B0609040504020204" pitchFamily="49" charset="0"/>
-              <a:cs typeface="Courier New" panose="02070309020205020404" pitchFamily="49" charset="0"/>
-            </a:endParaRPr>
           </a:p>
         </p:txBody>
       </p:sp>
@@ -38456,16 +38625,6 @@
               </a:rPr>
               <a:t>(10))</a:t>
             </a:r>
-            <a:endParaRPr lang="es-ES" sz="2000" dirty="0">
-              <a:solidFill>
-                <a:schemeClr val="accent5">
-                  <a:lumMod val="40000"/>
-                  <a:lumOff val="60000"/>
-                </a:schemeClr>
-              </a:solidFill>
-              <a:latin typeface="Lucida Console" panose="020B0609040504020204" pitchFamily="49" charset="0"/>
-              <a:cs typeface="Courier New" panose="02070309020205020404" pitchFamily="49" charset="0"/>
-            </a:endParaRPr>
           </a:p>
         </p:txBody>
       </p:sp>
@@ -38600,16 +38759,6 @@
               </a:rPr>
               <a:t>()</a:t>
             </a:r>
-            <a:endParaRPr lang="es-ES" sz="2000" dirty="0">
-              <a:solidFill>
-                <a:schemeClr val="accent5">
-                  <a:lumMod val="40000"/>
-                  <a:lumOff val="60000"/>
-                </a:schemeClr>
-              </a:solidFill>
-              <a:latin typeface="Lucida Console" panose="020B0609040504020204" pitchFamily="49" charset="0"/>
-              <a:cs typeface="Courier New" panose="02070309020205020404" pitchFamily="49" charset="0"/>
-            </a:endParaRPr>
           </a:p>
         </p:txBody>
       </p:sp>
